--- a/docs/4조-deep_cycle.pptx
+++ b/docs/4조-deep_cycle.pptx
@@ -130,7 +130,7 @@
   </p:defaultTextStyle>
   <p:extLst>
     <p:ext uri="{EFAFB233-063F-42B5-8137-9DF3F51BA10A}">
-      <p15:sldGuideLst xmlns:p15="http://schemas.microsoft.com/office/powerpoint/2012/main" xmlns="">
+      <p15:sldGuideLst xmlns="" xmlns:p15="http://schemas.microsoft.com/office/powerpoint/2012/main">
         <p15:guide id="1" orient="horz" pos="2160">
           <p15:clr>
             <a:srgbClr val="A4A3A4"/>
@@ -144,7 +144,7 @@
       </p15:sldGuideLst>
     </p:ext>
     <p:ext uri="{2D200454-40CA-4A62-9FC3-DE9A4176ACB9}">
-      <p15:notesGuideLst xmlns:p15="http://schemas.microsoft.com/office/powerpoint/2012/main" xmlns="">
+      <p15:notesGuideLst xmlns="" xmlns:p15="http://schemas.microsoft.com/office/powerpoint/2012/main">
         <p15:guide id="1" orient="horz" pos="2880">
           <p15:clr>
             <a:srgbClr val="A4A3A4"/>
@@ -243,7 +243,7 @@
           <a:p>
             <a:fld id="{5E7E6A1D-F624-4283-8790-5B481415B4B2}" type="datetimeFigureOut">
               <a:rPr lang="ko-KR" altLang="en-US" smtClean="0"/>
-              <a:t>2019-07-26</a:t>
+              <a:t>2019-08-07</a:t>
             </a:fld>
             <a:endParaRPr lang="ko-KR" altLang="en-US"/>
           </a:p>
@@ -2302,7 +2302,7 @@
           <a:p>
             <a:fld id="{AC07417F-0F1B-437E-9E67-EA198FDA4F8F}" type="datetimeFigureOut">
               <a:rPr lang="ko-KR" altLang="en-US" smtClean="0"/>
-              <a:t>2019-07-26</a:t>
+              <a:t>2019-08-07</a:t>
             </a:fld>
             <a:endParaRPr lang="ko-KR" altLang="en-US"/>
           </a:p>
@@ -2470,7 +2470,7 @@
           <a:p>
             <a:fld id="{AC07417F-0F1B-437E-9E67-EA198FDA4F8F}" type="datetimeFigureOut">
               <a:rPr lang="ko-KR" altLang="en-US" smtClean="0"/>
-              <a:t>2019-07-26</a:t>
+              <a:t>2019-08-07</a:t>
             </a:fld>
             <a:endParaRPr lang="ko-KR" altLang="en-US"/>
           </a:p>
@@ -2648,7 +2648,7 @@
           <a:p>
             <a:fld id="{AC07417F-0F1B-437E-9E67-EA198FDA4F8F}" type="datetimeFigureOut">
               <a:rPr lang="ko-KR" altLang="en-US" smtClean="0"/>
-              <a:t>2019-07-26</a:t>
+              <a:t>2019-08-07</a:t>
             </a:fld>
             <a:endParaRPr lang="ko-KR" altLang="en-US"/>
           </a:p>
@@ -2816,7 +2816,7 @@
           <a:p>
             <a:fld id="{AC07417F-0F1B-437E-9E67-EA198FDA4F8F}" type="datetimeFigureOut">
               <a:rPr lang="ko-KR" altLang="en-US" smtClean="0"/>
-              <a:t>2019-07-26</a:t>
+              <a:t>2019-08-07</a:t>
             </a:fld>
             <a:endParaRPr lang="ko-KR" altLang="en-US"/>
           </a:p>
@@ -3061,7 +3061,7 @@
           <a:p>
             <a:fld id="{AC07417F-0F1B-437E-9E67-EA198FDA4F8F}" type="datetimeFigureOut">
               <a:rPr lang="ko-KR" altLang="en-US" smtClean="0"/>
-              <a:t>2019-07-26</a:t>
+              <a:t>2019-08-07</a:t>
             </a:fld>
             <a:endParaRPr lang="ko-KR" altLang="en-US"/>
           </a:p>
@@ -3346,7 +3346,7 @@
           <a:p>
             <a:fld id="{AC07417F-0F1B-437E-9E67-EA198FDA4F8F}" type="datetimeFigureOut">
               <a:rPr lang="ko-KR" altLang="en-US" smtClean="0"/>
-              <a:t>2019-07-26</a:t>
+              <a:t>2019-08-07</a:t>
             </a:fld>
             <a:endParaRPr lang="ko-KR" altLang="en-US"/>
           </a:p>
@@ -3765,7 +3765,7 @@
           <a:p>
             <a:fld id="{AC07417F-0F1B-437E-9E67-EA198FDA4F8F}" type="datetimeFigureOut">
               <a:rPr lang="ko-KR" altLang="en-US" smtClean="0"/>
-              <a:t>2019-07-26</a:t>
+              <a:t>2019-08-07</a:t>
             </a:fld>
             <a:endParaRPr lang="ko-KR" altLang="en-US"/>
           </a:p>
@@ -3882,7 +3882,7 @@
           <a:p>
             <a:fld id="{AC07417F-0F1B-437E-9E67-EA198FDA4F8F}" type="datetimeFigureOut">
               <a:rPr lang="ko-KR" altLang="en-US" smtClean="0"/>
-              <a:t>2019-07-26</a:t>
+              <a:t>2019-08-07</a:t>
             </a:fld>
             <a:endParaRPr lang="ko-KR" altLang="en-US"/>
           </a:p>
@@ -3977,7 +3977,7 @@
           <a:p>
             <a:fld id="{AC07417F-0F1B-437E-9E67-EA198FDA4F8F}" type="datetimeFigureOut">
               <a:rPr lang="ko-KR" altLang="en-US" smtClean="0"/>
-              <a:t>2019-07-26</a:t>
+              <a:t>2019-08-07</a:t>
             </a:fld>
             <a:endParaRPr lang="ko-KR" altLang="en-US"/>
           </a:p>
@@ -4252,7 +4252,7 @@
           <a:p>
             <a:fld id="{AC07417F-0F1B-437E-9E67-EA198FDA4F8F}" type="datetimeFigureOut">
               <a:rPr lang="ko-KR" altLang="en-US" smtClean="0"/>
-              <a:t>2019-07-26</a:t>
+              <a:t>2019-08-07</a:t>
             </a:fld>
             <a:endParaRPr lang="ko-KR" altLang="en-US"/>
           </a:p>
@@ -4504,7 +4504,7 @@
           <a:p>
             <a:fld id="{AC07417F-0F1B-437E-9E67-EA198FDA4F8F}" type="datetimeFigureOut">
               <a:rPr lang="ko-KR" altLang="en-US" smtClean="0"/>
-              <a:t>2019-07-26</a:t>
+              <a:t>2019-08-07</a:t>
             </a:fld>
             <a:endParaRPr lang="ko-KR" altLang="en-US"/>
           </a:p>
@@ -4715,7 +4715,7 @@
           <a:p>
             <a:fld id="{AC07417F-0F1B-437E-9E67-EA198FDA4F8F}" type="datetimeFigureOut">
               <a:rPr lang="ko-KR" altLang="en-US" smtClean="0"/>
-              <a:t>2019-07-26</a:t>
+              <a:t>2019-08-07</a:t>
             </a:fld>
             <a:endParaRPr lang="ko-KR" altLang="en-US"/>
           </a:p>
@@ -5134,7 +5134,7 @@
           <p:cNvPr id="28" name="직사각형 27">
             <a:extLst>
               <a:ext uri="{FF2B5EF4-FFF2-40B4-BE49-F238E27FC236}">
-                <a16:creationId xmlns:a16="http://schemas.microsoft.com/office/drawing/2014/main" xmlns="" id="{076A805D-3663-436E-9094-3A3B19B64BA7}"/>
+                <a16:creationId xmlns="" xmlns:a16="http://schemas.microsoft.com/office/drawing/2014/main" id="{076A805D-3663-436E-9094-3A3B19B64BA7}"/>
               </a:ext>
             </a:extLst>
           </p:cNvPr>
@@ -5190,7 +5190,7 @@
           <p:cNvPr id="32" name="TextBox 31">
             <a:extLst>
               <a:ext uri="{FF2B5EF4-FFF2-40B4-BE49-F238E27FC236}">
-                <a16:creationId xmlns:a16="http://schemas.microsoft.com/office/drawing/2014/main" xmlns="" id="{F4244999-B61A-4D76-A124-162D24C648D6}"/>
+                <a16:creationId xmlns="" xmlns:a16="http://schemas.microsoft.com/office/drawing/2014/main" id="{F4244999-B61A-4D76-A124-162D24C648D6}"/>
               </a:ext>
             </a:extLst>
           </p:cNvPr>
@@ -5238,7 +5238,7 @@
           <p:cNvPr id="33" name="직선 연결선 32">
             <a:extLst>
               <a:ext uri="{FF2B5EF4-FFF2-40B4-BE49-F238E27FC236}">
-                <a16:creationId xmlns:a16="http://schemas.microsoft.com/office/drawing/2014/main" xmlns="" id="{4AD19C72-A2A0-4596-9163-847FC3B86106}"/>
+                <a16:creationId xmlns="" xmlns:a16="http://schemas.microsoft.com/office/drawing/2014/main" id="{4AD19C72-A2A0-4596-9163-847FC3B86106}"/>
               </a:ext>
             </a:extLst>
           </p:cNvPr>
@@ -5283,7 +5283,7 @@
           <p:cNvPr id="34" name="TextBox 33">
             <a:extLst>
               <a:ext uri="{FF2B5EF4-FFF2-40B4-BE49-F238E27FC236}">
-                <a16:creationId xmlns:a16="http://schemas.microsoft.com/office/drawing/2014/main" xmlns="" id="{6C8C5772-6A37-418F-A3AD-D1FC6827C69F}"/>
+                <a16:creationId xmlns="" xmlns:a16="http://schemas.microsoft.com/office/drawing/2014/main" id="{6C8C5772-6A37-418F-A3AD-D1FC6827C69F}"/>
               </a:ext>
             </a:extLst>
           </p:cNvPr>
@@ -5395,7 +5395,7 @@
           <p:cNvPr id="9" name="TextBox 8">
             <a:extLst>
               <a:ext uri="{FF2B5EF4-FFF2-40B4-BE49-F238E27FC236}">
-                <a16:creationId xmlns:a16="http://schemas.microsoft.com/office/drawing/2014/main" xmlns="" id="{3012BCDF-032D-4517-9299-26B4D70F98B5}"/>
+                <a16:creationId xmlns="" xmlns:a16="http://schemas.microsoft.com/office/drawing/2014/main" id="{3012BCDF-032D-4517-9299-26B4D70F98B5}"/>
               </a:ext>
             </a:extLst>
           </p:cNvPr>
@@ -5592,7 +5592,7 @@
           <p:cNvPr id="7" name="그림 6">
             <a:extLst>
               <a:ext uri="{FF2B5EF4-FFF2-40B4-BE49-F238E27FC236}">
-                <a16:creationId xmlns:a16="http://schemas.microsoft.com/office/drawing/2014/main" xmlns="" id="{B69C071F-0ABA-42E8-997E-D4554A01C8DC}"/>
+                <a16:creationId xmlns="" xmlns:a16="http://schemas.microsoft.com/office/drawing/2014/main" id="{B69C071F-0ABA-42E8-997E-D4554A01C8DC}"/>
               </a:ext>
             </a:extLst>
           </p:cNvPr>
@@ -5621,7 +5621,7 @@
           <p:cNvPr id="5122" name="Picture 2" descr="https://file2.nocutnews.co.kr/newsroom/image/2019/05/30/20190530145348944420_0_720_396.jpg">
             <a:extLst>
               <a:ext uri="{FF2B5EF4-FFF2-40B4-BE49-F238E27FC236}">
-                <a16:creationId xmlns:a16="http://schemas.microsoft.com/office/drawing/2014/main" xmlns="" id="{AE973B55-3D6B-4E6A-97BD-B41E2425311E}"/>
+                <a16:creationId xmlns="" xmlns:a16="http://schemas.microsoft.com/office/drawing/2014/main" id="{AE973B55-3D6B-4E6A-97BD-B41E2425311E}"/>
               </a:ext>
             </a:extLst>
           </p:cNvPr>
@@ -5669,7 +5669,7 @@
 ì¼ ì¬íì© 2ìì ëí ì´ë¯¸ì§ ê²ìê²°ê³¼">
             <a:extLst>
               <a:ext uri="{FF2B5EF4-FFF2-40B4-BE49-F238E27FC236}">
-                <a16:creationId xmlns:a16="http://schemas.microsoft.com/office/drawing/2014/main" xmlns="" id="{6262F36D-76AA-42D5-9867-A5ED142153D3}"/>
+                <a16:creationId xmlns="" xmlns:a16="http://schemas.microsoft.com/office/drawing/2014/main" id="{6262F36D-76AA-42D5-9867-A5ED142153D3}"/>
               </a:ext>
             </a:extLst>
           </p:cNvPr>
@@ -5716,7 +5716,7 @@
           <p:cNvPr id="10" name="그림 9">
             <a:extLst>
               <a:ext uri="{FF2B5EF4-FFF2-40B4-BE49-F238E27FC236}">
-                <a16:creationId xmlns:a16="http://schemas.microsoft.com/office/drawing/2014/main" xmlns="" id="{F48364EB-3417-4156-9278-46881B8F6A52}"/>
+                <a16:creationId xmlns="" xmlns:a16="http://schemas.microsoft.com/office/drawing/2014/main" id="{F48364EB-3417-4156-9278-46881B8F6A52}"/>
               </a:ext>
             </a:extLst>
           </p:cNvPr>
@@ -5745,7 +5745,7 @@
           <p:cNvPr id="11" name="TextBox 10">
             <a:extLst>
               <a:ext uri="{FF2B5EF4-FFF2-40B4-BE49-F238E27FC236}">
-                <a16:creationId xmlns:a16="http://schemas.microsoft.com/office/drawing/2014/main" xmlns="" id="{0E5A8486-3BD6-4FD3-B6D4-BFD5189CEBF8}"/>
+                <a16:creationId xmlns="" xmlns:a16="http://schemas.microsoft.com/office/drawing/2014/main" id="{0E5A8486-3BD6-4FD3-B6D4-BFD5189CEBF8}"/>
               </a:ext>
             </a:extLst>
           </p:cNvPr>
@@ -5786,7 +5786,7 @@
           <p:cNvPr id="12" name="직선 연결선 11">
             <a:extLst>
               <a:ext uri="{FF2B5EF4-FFF2-40B4-BE49-F238E27FC236}">
-                <a16:creationId xmlns:a16="http://schemas.microsoft.com/office/drawing/2014/main" xmlns="" id="{BE2A7FC0-EF40-4CE0-B597-5D965AE43EE5}"/>
+                <a16:creationId xmlns="" xmlns:a16="http://schemas.microsoft.com/office/drawing/2014/main" id="{BE2A7FC0-EF40-4CE0-B597-5D965AE43EE5}"/>
               </a:ext>
             </a:extLst>
           </p:cNvPr>
@@ -6115,7 +6115,7 @@
             <p:cNvPr id="3" name="TextBox 2">
               <a:extLst>
                 <a:ext uri="{FF2B5EF4-FFF2-40B4-BE49-F238E27FC236}">
-                  <a16:creationId xmlns:a16="http://schemas.microsoft.com/office/drawing/2014/main" xmlns="" id="{8D9237B7-912D-442E-A5AA-CB54CCBC1433}"/>
+                  <a16:creationId xmlns="" xmlns:a16="http://schemas.microsoft.com/office/drawing/2014/main" id="{8D9237B7-912D-442E-A5AA-CB54CCBC1433}"/>
                 </a:ext>
               </a:extLst>
             </p:cNvPr>
@@ -6150,7 +6150,7 @@
             <p:cNvPr id="8" name="TextBox 7">
               <a:extLst>
                 <a:ext uri="{FF2B5EF4-FFF2-40B4-BE49-F238E27FC236}">
-                  <a16:creationId xmlns:a16="http://schemas.microsoft.com/office/drawing/2014/main" xmlns="" id="{41F4B779-188C-4542-8109-3B1A1712412E}"/>
+                  <a16:creationId xmlns="" xmlns:a16="http://schemas.microsoft.com/office/drawing/2014/main" id="{41F4B779-188C-4542-8109-3B1A1712412E}"/>
                 </a:ext>
               </a:extLst>
             </p:cNvPr>
@@ -6185,7 +6185,7 @@
             <p:cNvPr id="9" name="TextBox 8">
               <a:extLst>
                 <a:ext uri="{FF2B5EF4-FFF2-40B4-BE49-F238E27FC236}">
-                  <a16:creationId xmlns:a16="http://schemas.microsoft.com/office/drawing/2014/main" xmlns="" id="{161DE090-5979-463F-BBA7-153971AADCA8}"/>
+                  <a16:creationId xmlns="" xmlns:a16="http://schemas.microsoft.com/office/drawing/2014/main" id="{161DE090-5979-463F-BBA7-153971AADCA8}"/>
                 </a:ext>
               </a:extLst>
             </p:cNvPr>
@@ -6220,7 +6220,7 @@
             <p:cNvPr id="7174" name="Picture 6" descr="ì°ë ê¸° ì²ë¦¬ ìì´ì½ì ëí ì´ë¯¸ì§ ê²ìê²°ê³¼">
               <a:extLst>
                 <a:ext uri="{FF2B5EF4-FFF2-40B4-BE49-F238E27FC236}">
-                  <a16:creationId xmlns:a16="http://schemas.microsoft.com/office/drawing/2014/main" xmlns="" id="{DF475E95-3629-4225-8F2A-0311CD1769CF}"/>
+                  <a16:creationId xmlns="" xmlns:a16="http://schemas.microsoft.com/office/drawing/2014/main" id="{DF475E95-3629-4225-8F2A-0311CD1769CF}"/>
                 </a:ext>
               </a:extLst>
             </p:cNvPr>
@@ -6265,7 +6265,7 @@
             <p:cNvPr id="7178" name="Picture 10" descr="ì¬íì©  ìì´ì½ì ëí ì´ë¯¸ì§ ê²ìê²°ê³¼">
               <a:extLst>
                 <a:ext uri="{FF2B5EF4-FFF2-40B4-BE49-F238E27FC236}">
-                  <a16:creationId xmlns:a16="http://schemas.microsoft.com/office/drawing/2014/main" xmlns="" id="{554B2285-8367-40C3-AEC3-A641D7061BD1}"/>
+                  <a16:creationId xmlns="" xmlns:a16="http://schemas.microsoft.com/office/drawing/2014/main" id="{554B2285-8367-40C3-AEC3-A641D7061BD1}"/>
                 </a:ext>
               </a:extLst>
             </p:cNvPr>
@@ -6312,7 +6312,7 @@
             <p:cNvPr id="7180" name="Picture 12" descr="ì¬íì©  ìì´ì½ì ëí ì´ë¯¸ì§ ê²ìê²°ê³¼">
               <a:extLst>
                 <a:ext uri="{FF2B5EF4-FFF2-40B4-BE49-F238E27FC236}">
-                  <a16:creationId xmlns:a16="http://schemas.microsoft.com/office/drawing/2014/main" xmlns="" id="{7B17E226-AEC9-4B30-B836-F2166D2666BE}"/>
+                  <a16:creationId xmlns="" xmlns:a16="http://schemas.microsoft.com/office/drawing/2014/main" id="{7B17E226-AEC9-4B30-B836-F2166D2666BE}"/>
                 </a:ext>
               </a:extLst>
             </p:cNvPr>
@@ -6359,7 +6359,7 @@
             <p:cNvPr id="7" name="직선 연결선 6">
               <a:extLst>
                 <a:ext uri="{FF2B5EF4-FFF2-40B4-BE49-F238E27FC236}">
-                  <a16:creationId xmlns:a16="http://schemas.microsoft.com/office/drawing/2014/main" xmlns="" id="{6F06BA79-B2AD-4399-91BD-C363E5468362}"/>
+                  <a16:creationId xmlns="" xmlns:a16="http://schemas.microsoft.com/office/drawing/2014/main" id="{6F06BA79-B2AD-4399-91BD-C363E5468362}"/>
                 </a:ext>
               </a:extLst>
             </p:cNvPr>
@@ -6400,7 +6400,7 @@
             <p:cNvPr id="16" name="직선 연결선 15">
               <a:extLst>
                 <a:ext uri="{FF2B5EF4-FFF2-40B4-BE49-F238E27FC236}">
-                  <a16:creationId xmlns:a16="http://schemas.microsoft.com/office/drawing/2014/main" xmlns="" id="{9FF2973F-42BA-445E-9471-DD88DDC8C035}"/>
+                  <a16:creationId xmlns="" xmlns:a16="http://schemas.microsoft.com/office/drawing/2014/main" id="{9FF2973F-42BA-445E-9471-DD88DDC8C035}"/>
                 </a:ext>
               </a:extLst>
             </p:cNvPr>
@@ -6443,7 +6443,7 @@
             <p:cNvPr id="12" name="그림 11">
               <a:extLst>
                 <a:ext uri="{FF2B5EF4-FFF2-40B4-BE49-F238E27FC236}">
-                  <a16:creationId xmlns:a16="http://schemas.microsoft.com/office/drawing/2014/main" xmlns="" id="{DA3EC979-472D-4C7B-AD88-E9B564A3EEC7}"/>
+                  <a16:creationId xmlns="" xmlns:a16="http://schemas.microsoft.com/office/drawing/2014/main" id="{DA3EC979-472D-4C7B-AD88-E9B564A3EEC7}"/>
                 </a:ext>
               </a:extLst>
             </p:cNvPr>
@@ -6472,7 +6472,7 @@
             <p:cNvPr id="7186" name="Picture 18" descr="ë¶ ìì´ì½ì ëí ì´ë¯¸ì§ ê²ìê²°ê³¼">
               <a:extLst>
                 <a:ext uri="{FF2B5EF4-FFF2-40B4-BE49-F238E27FC236}">
-                  <a16:creationId xmlns:a16="http://schemas.microsoft.com/office/drawing/2014/main" xmlns="" id="{7750C23B-46FE-4552-9A36-A97855B843A2}"/>
+                  <a16:creationId xmlns="" xmlns:a16="http://schemas.microsoft.com/office/drawing/2014/main" id="{7750C23B-46FE-4552-9A36-A97855B843A2}"/>
                 </a:ext>
               </a:extLst>
             </p:cNvPr>
@@ -6519,7 +6519,7 @@
             <p:cNvPr id="15" name="화살표: 오른쪽 14">
               <a:extLst>
                 <a:ext uri="{FF2B5EF4-FFF2-40B4-BE49-F238E27FC236}">
-                  <a16:creationId xmlns:a16="http://schemas.microsoft.com/office/drawing/2014/main" xmlns="" id="{40CACB8E-8E69-40BE-B755-C3FDEBC86F22}"/>
+                  <a16:creationId xmlns="" xmlns:a16="http://schemas.microsoft.com/office/drawing/2014/main" id="{40CACB8E-8E69-40BE-B755-C3FDEBC86F22}"/>
                 </a:ext>
               </a:extLst>
             </p:cNvPr>
@@ -6571,7 +6571,7 @@
             <p:cNvPr id="26" name="화살표: 오른쪽 25">
               <a:extLst>
                 <a:ext uri="{FF2B5EF4-FFF2-40B4-BE49-F238E27FC236}">
-                  <a16:creationId xmlns:a16="http://schemas.microsoft.com/office/drawing/2014/main" xmlns="" id="{C3CF77FA-349D-4FDA-AB21-4D6A055490FD}"/>
+                  <a16:creationId xmlns="" xmlns:a16="http://schemas.microsoft.com/office/drawing/2014/main" id="{C3CF77FA-349D-4FDA-AB21-4D6A055490FD}"/>
                 </a:ext>
               </a:extLst>
             </p:cNvPr>
@@ -6624,7 +6624,7 @@
           <p:cNvPr id="22" name="TextBox 21">
             <a:extLst>
               <a:ext uri="{FF2B5EF4-FFF2-40B4-BE49-F238E27FC236}">
-                <a16:creationId xmlns:a16="http://schemas.microsoft.com/office/drawing/2014/main" xmlns="" id="{0E5A8486-3BD6-4FD3-B6D4-BFD5189CEBF8}"/>
+                <a16:creationId xmlns="" xmlns:a16="http://schemas.microsoft.com/office/drawing/2014/main" id="{0E5A8486-3BD6-4FD3-B6D4-BFD5189CEBF8}"/>
               </a:ext>
             </a:extLst>
           </p:cNvPr>
@@ -6665,7 +6665,7 @@
           <p:cNvPr id="23" name="직선 연결선 22">
             <a:extLst>
               <a:ext uri="{FF2B5EF4-FFF2-40B4-BE49-F238E27FC236}">
-                <a16:creationId xmlns:a16="http://schemas.microsoft.com/office/drawing/2014/main" xmlns="" id="{BE2A7FC0-EF40-4CE0-B597-5D965AE43EE5}"/>
+                <a16:creationId xmlns="" xmlns:a16="http://schemas.microsoft.com/office/drawing/2014/main" id="{BE2A7FC0-EF40-4CE0-B597-5D965AE43EE5}"/>
               </a:ext>
             </a:extLst>
           </p:cNvPr>
@@ -6772,7 +6772,7 @@
             <p:cNvPr id="18" name="TextBox 17">
               <a:extLst>
                 <a:ext uri="{FF2B5EF4-FFF2-40B4-BE49-F238E27FC236}">
-                  <a16:creationId xmlns:a16="http://schemas.microsoft.com/office/drawing/2014/main" xmlns="" id="{41F4B779-188C-4542-8109-3B1A1712412E}"/>
+                  <a16:creationId xmlns="" xmlns:a16="http://schemas.microsoft.com/office/drawing/2014/main" id="{41F4B779-188C-4542-8109-3B1A1712412E}"/>
                 </a:ext>
               </a:extLst>
             </p:cNvPr>
@@ -6875,7 +6875,7 @@
             <p:cNvPr id="24" name="TextBox 23">
               <a:extLst>
                 <a:ext uri="{FF2B5EF4-FFF2-40B4-BE49-F238E27FC236}">
-                  <a16:creationId xmlns:a16="http://schemas.microsoft.com/office/drawing/2014/main" xmlns="" id="{41F4B779-188C-4542-8109-3B1A1712412E}"/>
+                  <a16:creationId xmlns="" xmlns:a16="http://schemas.microsoft.com/office/drawing/2014/main" id="{41F4B779-188C-4542-8109-3B1A1712412E}"/>
                 </a:ext>
               </a:extLst>
             </p:cNvPr>
@@ -6984,7 +6984,7 @@
             <p:cNvPr id="28" name="TextBox 27">
               <a:extLst>
                 <a:ext uri="{FF2B5EF4-FFF2-40B4-BE49-F238E27FC236}">
-                  <a16:creationId xmlns:a16="http://schemas.microsoft.com/office/drawing/2014/main" xmlns="" id="{41F4B779-188C-4542-8109-3B1A1712412E}"/>
+                  <a16:creationId xmlns="" xmlns:a16="http://schemas.microsoft.com/office/drawing/2014/main" id="{41F4B779-188C-4542-8109-3B1A1712412E}"/>
                 </a:ext>
               </a:extLst>
             </p:cNvPr>
@@ -7279,7 +7279,7 @@
           <p:cNvPr id="5" name="Picture 2" descr="ë¶ë¦¬ìê±° íµê³ì ëí ì´ë¯¸ì§ ê²ìê²°ê³¼">
             <a:extLst>
               <a:ext uri="{FF2B5EF4-FFF2-40B4-BE49-F238E27FC236}">
-                <a16:creationId xmlns:a16="http://schemas.microsoft.com/office/drawing/2014/main" xmlns="" id="{3F8CE515-810A-4623-BF8C-9AB1E5BDE71E}"/>
+                <a16:creationId xmlns="" xmlns:a16="http://schemas.microsoft.com/office/drawing/2014/main" id="{3F8CE515-810A-4623-BF8C-9AB1E5BDE71E}"/>
               </a:ext>
             </a:extLst>
           </p:cNvPr>
@@ -7326,7 +7326,7 @@
           <p:cNvPr id="4" name="타원 3">
             <a:extLst>
               <a:ext uri="{FF2B5EF4-FFF2-40B4-BE49-F238E27FC236}">
-                <a16:creationId xmlns:a16="http://schemas.microsoft.com/office/drawing/2014/main" xmlns="" id="{516E854B-9DA1-46AF-A440-6B5E3C2A1FB9}"/>
+                <a16:creationId xmlns="" xmlns:a16="http://schemas.microsoft.com/office/drawing/2014/main" id="{516E854B-9DA1-46AF-A440-6B5E3C2A1FB9}"/>
               </a:ext>
             </a:extLst>
           </p:cNvPr>
@@ -7378,7 +7378,7 @@
           <p:cNvPr id="13" name="TextBox 12">
             <a:extLst>
               <a:ext uri="{FF2B5EF4-FFF2-40B4-BE49-F238E27FC236}">
-                <a16:creationId xmlns:a16="http://schemas.microsoft.com/office/drawing/2014/main" xmlns="" id="{0E5A8486-3BD6-4FD3-B6D4-BFD5189CEBF8}"/>
+                <a16:creationId xmlns="" xmlns:a16="http://schemas.microsoft.com/office/drawing/2014/main" id="{0E5A8486-3BD6-4FD3-B6D4-BFD5189CEBF8}"/>
               </a:ext>
             </a:extLst>
           </p:cNvPr>
@@ -7419,7 +7419,7 @@
           <p:cNvPr id="14" name="직선 연결선 13">
             <a:extLst>
               <a:ext uri="{FF2B5EF4-FFF2-40B4-BE49-F238E27FC236}">
-                <a16:creationId xmlns:a16="http://schemas.microsoft.com/office/drawing/2014/main" xmlns="" id="{BE2A7FC0-EF40-4CE0-B597-5D965AE43EE5}"/>
+                <a16:creationId xmlns="" xmlns:a16="http://schemas.microsoft.com/office/drawing/2014/main" id="{BE2A7FC0-EF40-4CE0-B597-5D965AE43EE5}"/>
               </a:ext>
             </a:extLst>
           </p:cNvPr>
@@ -7581,7 +7581,7 @@
           <p:cNvPr id="3" name="TextBox 2">
             <a:extLst>
               <a:ext uri="{FF2B5EF4-FFF2-40B4-BE49-F238E27FC236}">
-                <a16:creationId xmlns:a16="http://schemas.microsoft.com/office/drawing/2014/main" xmlns="" id="{8D9237B7-912D-442E-A5AA-CB54CCBC1433}"/>
+                <a16:creationId xmlns="" xmlns:a16="http://schemas.microsoft.com/office/drawing/2014/main" id="{8D9237B7-912D-442E-A5AA-CB54CCBC1433}"/>
               </a:ext>
             </a:extLst>
           </p:cNvPr>
@@ -7616,7 +7616,7 @@
           <p:cNvPr id="8" name="TextBox 7">
             <a:extLst>
               <a:ext uri="{FF2B5EF4-FFF2-40B4-BE49-F238E27FC236}">
-                <a16:creationId xmlns:a16="http://schemas.microsoft.com/office/drawing/2014/main" xmlns="" id="{41F4B779-188C-4542-8109-3B1A1712412E}"/>
+                <a16:creationId xmlns="" xmlns:a16="http://schemas.microsoft.com/office/drawing/2014/main" id="{41F4B779-188C-4542-8109-3B1A1712412E}"/>
               </a:ext>
             </a:extLst>
           </p:cNvPr>
@@ -7651,7 +7651,7 @@
           <p:cNvPr id="9" name="TextBox 8">
             <a:extLst>
               <a:ext uri="{FF2B5EF4-FFF2-40B4-BE49-F238E27FC236}">
-                <a16:creationId xmlns:a16="http://schemas.microsoft.com/office/drawing/2014/main" xmlns="" id="{161DE090-5979-463F-BBA7-153971AADCA8}"/>
+                <a16:creationId xmlns="" xmlns:a16="http://schemas.microsoft.com/office/drawing/2014/main" id="{161DE090-5979-463F-BBA7-153971AADCA8}"/>
               </a:ext>
             </a:extLst>
           </p:cNvPr>
@@ -7686,7 +7686,7 @@
           <p:cNvPr id="7174" name="Picture 6" descr="ì°ë ê¸° ì²ë¦¬ ìì´ì½ì ëí ì´ë¯¸ì§ ê²ìê²°ê³¼">
             <a:extLst>
               <a:ext uri="{FF2B5EF4-FFF2-40B4-BE49-F238E27FC236}">
-                <a16:creationId xmlns:a16="http://schemas.microsoft.com/office/drawing/2014/main" xmlns="" id="{DF475E95-3629-4225-8F2A-0311CD1769CF}"/>
+                <a16:creationId xmlns="" xmlns:a16="http://schemas.microsoft.com/office/drawing/2014/main" id="{DF475E95-3629-4225-8F2A-0311CD1769CF}"/>
               </a:ext>
             </a:extLst>
           </p:cNvPr>
@@ -7731,7 +7731,7 @@
           <p:cNvPr id="7178" name="Picture 10" descr="ì¬íì©  ìì´ì½ì ëí ì´ë¯¸ì§ ê²ìê²°ê³¼">
             <a:extLst>
               <a:ext uri="{FF2B5EF4-FFF2-40B4-BE49-F238E27FC236}">
-                <a16:creationId xmlns:a16="http://schemas.microsoft.com/office/drawing/2014/main" xmlns="" id="{554B2285-8367-40C3-AEC3-A641D7061BD1}"/>
+                <a16:creationId xmlns="" xmlns:a16="http://schemas.microsoft.com/office/drawing/2014/main" id="{554B2285-8367-40C3-AEC3-A641D7061BD1}"/>
               </a:ext>
             </a:extLst>
           </p:cNvPr>
@@ -7778,7 +7778,7 @@
           <p:cNvPr id="7180" name="Picture 12" descr="ì¬íì©  ìì´ì½ì ëí ì´ë¯¸ì§ ê²ìê²°ê³¼">
             <a:extLst>
               <a:ext uri="{FF2B5EF4-FFF2-40B4-BE49-F238E27FC236}">
-                <a16:creationId xmlns:a16="http://schemas.microsoft.com/office/drawing/2014/main" xmlns="" id="{7B17E226-AEC9-4B30-B836-F2166D2666BE}"/>
+                <a16:creationId xmlns="" xmlns:a16="http://schemas.microsoft.com/office/drawing/2014/main" id="{7B17E226-AEC9-4B30-B836-F2166D2666BE}"/>
               </a:ext>
             </a:extLst>
           </p:cNvPr>
@@ -7825,7 +7825,7 @@
           <p:cNvPr id="7" name="직선 연결선 6">
             <a:extLst>
               <a:ext uri="{FF2B5EF4-FFF2-40B4-BE49-F238E27FC236}">
-                <a16:creationId xmlns:a16="http://schemas.microsoft.com/office/drawing/2014/main" xmlns="" id="{6F06BA79-B2AD-4399-91BD-C363E5468362}"/>
+                <a16:creationId xmlns="" xmlns:a16="http://schemas.microsoft.com/office/drawing/2014/main" id="{6F06BA79-B2AD-4399-91BD-C363E5468362}"/>
               </a:ext>
             </a:extLst>
           </p:cNvPr>
@@ -7866,7 +7866,7 @@
           <p:cNvPr id="16" name="직선 연결선 15">
             <a:extLst>
               <a:ext uri="{FF2B5EF4-FFF2-40B4-BE49-F238E27FC236}">
-                <a16:creationId xmlns:a16="http://schemas.microsoft.com/office/drawing/2014/main" xmlns="" id="{9FF2973F-42BA-445E-9471-DD88DDC8C035}"/>
+                <a16:creationId xmlns="" xmlns:a16="http://schemas.microsoft.com/office/drawing/2014/main" id="{9FF2973F-42BA-445E-9471-DD88DDC8C035}"/>
               </a:ext>
             </a:extLst>
           </p:cNvPr>
@@ -7909,7 +7909,7 @@
           <p:cNvPr id="12" name="그림 11">
             <a:extLst>
               <a:ext uri="{FF2B5EF4-FFF2-40B4-BE49-F238E27FC236}">
-                <a16:creationId xmlns:a16="http://schemas.microsoft.com/office/drawing/2014/main" xmlns="" id="{DA3EC979-472D-4C7B-AD88-E9B564A3EEC7}"/>
+                <a16:creationId xmlns="" xmlns:a16="http://schemas.microsoft.com/office/drawing/2014/main" id="{DA3EC979-472D-4C7B-AD88-E9B564A3EEC7}"/>
               </a:ext>
             </a:extLst>
           </p:cNvPr>
@@ -7938,7 +7938,7 @@
           <p:cNvPr id="7186" name="Picture 18" descr="ë¶ ìì´ì½ì ëí ì´ë¯¸ì§ ê²ìê²°ê³¼">
             <a:extLst>
               <a:ext uri="{FF2B5EF4-FFF2-40B4-BE49-F238E27FC236}">
-                <a16:creationId xmlns:a16="http://schemas.microsoft.com/office/drawing/2014/main" xmlns="" id="{7750C23B-46FE-4552-9A36-A97855B843A2}"/>
+                <a16:creationId xmlns="" xmlns:a16="http://schemas.microsoft.com/office/drawing/2014/main" id="{7750C23B-46FE-4552-9A36-A97855B843A2}"/>
               </a:ext>
             </a:extLst>
           </p:cNvPr>
@@ -7985,7 +7985,7 @@
           <p:cNvPr id="15" name="화살표: 오른쪽 14">
             <a:extLst>
               <a:ext uri="{FF2B5EF4-FFF2-40B4-BE49-F238E27FC236}">
-                <a16:creationId xmlns:a16="http://schemas.microsoft.com/office/drawing/2014/main" xmlns="" id="{40CACB8E-8E69-40BE-B755-C3FDEBC86F22}"/>
+                <a16:creationId xmlns="" xmlns:a16="http://schemas.microsoft.com/office/drawing/2014/main" id="{40CACB8E-8E69-40BE-B755-C3FDEBC86F22}"/>
               </a:ext>
             </a:extLst>
           </p:cNvPr>
@@ -8037,7 +8037,7 @@
           <p:cNvPr id="26" name="화살표: 오른쪽 25">
             <a:extLst>
               <a:ext uri="{FF2B5EF4-FFF2-40B4-BE49-F238E27FC236}">
-                <a16:creationId xmlns:a16="http://schemas.microsoft.com/office/drawing/2014/main" xmlns="" id="{C3CF77FA-349D-4FDA-AB21-4D6A055490FD}"/>
+                <a16:creationId xmlns="" xmlns:a16="http://schemas.microsoft.com/office/drawing/2014/main" id="{C3CF77FA-349D-4FDA-AB21-4D6A055490FD}"/>
               </a:ext>
             </a:extLst>
           </p:cNvPr>
@@ -8089,7 +8089,7 @@
           <p:cNvPr id="22" name="TextBox 21">
             <a:extLst>
               <a:ext uri="{FF2B5EF4-FFF2-40B4-BE49-F238E27FC236}">
-                <a16:creationId xmlns:a16="http://schemas.microsoft.com/office/drawing/2014/main" xmlns="" id="{0E5A8486-3BD6-4FD3-B6D4-BFD5189CEBF8}"/>
+                <a16:creationId xmlns="" xmlns:a16="http://schemas.microsoft.com/office/drawing/2014/main" id="{0E5A8486-3BD6-4FD3-B6D4-BFD5189CEBF8}"/>
               </a:ext>
             </a:extLst>
           </p:cNvPr>
@@ -8130,7 +8130,7 @@
           <p:cNvPr id="23" name="직선 연결선 22">
             <a:extLst>
               <a:ext uri="{FF2B5EF4-FFF2-40B4-BE49-F238E27FC236}">
-                <a16:creationId xmlns:a16="http://schemas.microsoft.com/office/drawing/2014/main" xmlns="" id="{BE2A7FC0-EF40-4CE0-B597-5D965AE43EE5}"/>
+                <a16:creationId xmlns="" xmlns:a16="http://schemas.microsoft.com/office/drawing/2014/main" id="{BE2A7FC0-EF40-4CE0-B597-5D965AE43EE5}"/>
               </a:ext>
             </a:extLst>
           </p:cNvPr>
@@ -8237,7 +8237,7 @@
             <p:cNvPr id="24" name="TextBox 23">
               <a:extLst>
                 <a:ext uri="{FF2B5EF4-FFF2-40B4-BE49-F238E27FC236}">
-                  <a16:creationId xmlns:a16="http://schemas.microsoft.com/office/drawing/2014/main" xmlns="" id="{41F4B779-188C-4542-8109-3B1A1712412E}"/>
+                  <a16:creationId xmlns="" xmlns:a16="http://schemas.microsoft.com/office/drawing/2014/main" id="{41F4B779-188C-4542-8109-3B1A1712412E}"/>
                 </a:ext>
               </a:extLst>
             </p:cNvPr>
@@ -8346,7 +8346,7 @@
             <p:cNvPr id="28" name="TextBox 27">
               <a:extLst>
                 <a:ext uri="{FF2B5EF4-FFF2-40B4-BE49-F238E27FC236}">
-                  <a16:creationId xmlns:a16="http://schemas.microsoft.com/office/drawing/2014/main" xmlns="" id="{41F4B779-188C-4542-8109-3B1A1712412E}"/>
+                  <a16:creationId xmlns="" xmlns:a16="http://schemas.microsoft.com/office/drawing/2014/main" id="{41F4B779-188C-4542-8109-3B1A1712412E}"/>
                 </a:ext>
               </a:extLst>
             </p:cNvPr>
@@ -8454,7 +8454,7 @@
             <p:cNvPr id="31" name="TextBox 30">
               <a:extLst>
                 <a:ext uri="{FF2B5EF4-FFF2-40B4-BE49-F238E27FC236}">
-                  <a16:creationId xmlns:a16="http://schemas.microsoft.com/office/drawing/2014/main" xmlns="" id="{41F4B779-188C-4542-8109-3B1A1712412E}"/>
+                  <a16:creationId xmlns="" xmlns:a16="http://schemas.microsoft.com/office/drawing/2014/main" id="{41F4B779-188C-4542-8109-3B1A1712412E}"/>
                 </a:ext>
               </a:extLst>
             </p:cNvPr>
@@ -8567,7 +8567,7 @@
         <p:spPr>
           <a:xfrm>
             <a:off x="7477804" y="2332089"/>
-            <a:ext cx="3689246" cy="1400220"/>
+            <a:ext cx="4234026" cy="1400220"/>
           </a:xfrm>
           <a:prstGeom prst="cloudCallout">
             <a:avLst/>
@@ -8601,7 +8601,23 @@
                   <a:schemeClr val="tx1"/>
                 </a:solidFill>
               </a:rPr>
-              <a:t>선별할 필요도 없이 재활용을 잘한다면</a:t>
+              <a:t>선별할 필요도 없이 </a:t>
+            </a:r>
+            <a:r>
+              <a:rPr lang="ko-KR" altLang="en-US" dirty="0" smtClean="0">
+                <a:solidFill>
+                  <a:schemeClr val="tx1"/>
+                </a:solidFill>
+              </a:rPr>
+              <a:t>분리수거를 </a:t>
+            </a:r>
+            <a:r>
+              <a:rPr lang="ko-KR" altLang="en-US" dirty="0">
+                <a:solidFill>
+                  <a:schemeClr val="tx1"/>
+                </a:solidFill>
+              </a:rPr>
+              <a:t>잘한다면</a:t>
             </a:r>
             <a:r>
               <a:rPr lang="en-US" altLang="ko-KR" dirty="0">
@@ -9235,7 +9251,7 @@
           <p:cNvPr id="4" name="직선 연결선 3">
             <a:extLst>
               <a:ext uri="{FF2B5EF4-FFF2-40B4-BE49-F238E27FC236}">
-                <a16:creationId xmlns:a16="http://schemas.microsoft.com/office/drawing/2014/main" xmlns="" id="{BE2A7FC0-EF40-4CE0-B597-5D965AE43EE5}"/>
+                <a16:creationId xmlns="" xmlns:a16="http://schemas.microsoft.com/office/drawing/2014/main" id="{BE2A7FC0-EF40-4CE0-B597-5D965AE43EE5}"/>
               </a:ext>
             </a:extLst>
           </p:cNvPr>
@@ -9280,7 +9296,7 @@
           <p:cNvPr id="3" name="TextBox 2">
             <a:extLst>
               <a:ext uri="{FF2B5EF4-FFF2-40B4-BE49-F238E27FC236}">
-                <a16:creationId xmlns:a16="http://schemas.microsoft.com/office/drawing/2014/main" xmlns="" id="{0AA9426E-B08C-48DB-8297-C7E312BE952F}"/>
+                <a16:creationId xmlns="" xmlns:a16="http://schemas.microsoft.com/office/drawing/2014/main" id="{0AA9426E-B08C-48DB-8297-C7E312BE952F}"/>
               </a:ext>
             </a:extLst>
           </p:cNvPr>
@@ -9328,7 +9344,7 @@
           <p:cNvPr id="16" name="TextBox 15">
             <a:extLst>
               <a:ext uri="{FF2B5EF4-FFF2-40B4-BE49-F238E27FC236}">
-                <a16:creationId xmlns:a16="http://schemas.microsoft.com/office/drawing/2014/main" xmlns="" id="{8116836B-4A99-4DA6-844A-6DA31D73B646}"/>
+                <a16:creationId xmlns="" xmlns:a16="http://schemas.microsoft.com/office/drawing/2014/main" id="{8116836B-4A99-4DA6-844A-6DA31D73B646}"/>
               </a:ext>
             </a:extLst>
           </p:cNvPr>
@@ -9376,7 +9392,7 @@
           <p:cNvPr id="17" name="TextBox 16">
             <a:extLst>
               <a:ext uri="{FF2B5EF4-FFF2-40B4-BE49-F238E27FC236}">
-                <a16:creationId xmlns:a16="http://schemas.microsoft.com/office/drawing/2014/main" xmlns="" id="{C658F02A-B088-48BF-BBA3-B59574AB41DC}"/>
+                <a16:creationId xmlns="" xmlns:a16="http://schemas.microsoft.com/office/drawing/2014/main" id="{C658F02A-B088-48BF-BBA3-B59574AB41DC}"/>
               </a:ext>
             </a:extLst>
           </p:cNvPr>
@@ -9424,7 +9440,7 @@
           <p:cNvPr id="19" name="TextBox 18">
             <a:extLst>
               <a:ext uri="{FF2B5EF4-FFF2-40B4-BE49-F238E27FC236}">
-                <a16:creationId xmlns:a16="http://schemas.microsoft.com/office/drawing/2014/main" xmlns="" id="{75923EE1-4BA6-40F9-AFBD-09A8B779C05D}"/>
+                <a16:creationId xmlns="" xmlns:a16="http://schemas.microsoft.com/office/drawing/2014/main" id="{75923EE1-4BA6-40F9-AFBD-09A8B779C05D}"/>
               </a:ext>
             </a:extLst>
           </p:cNvPr>
@@ -9472,7 +9488,7 @@
           <p:cNvPr id="14" name="TextBox 13">
             <a:extLst>
               <a:ext uri="{FF2B5EF4-FFF2-40B4-BE49-F238E27FC236}">
-                <a16:creationId xmlns:a16="http://schemas.microsoft.com/office/drawing/2014/main" xmlns="" id="{27F02332-4E2F-442D-B4F7-2B56CDF9B969}"/>
+                <a16:creationId xmlns="" xmlns:a16="http://schemas.microsoft.com/office/drawing/2014/main" id="{27F02332-4E2F-442D-B4F7-2B56CDF9B969}"/>
               </a:ext>
             </a:extLst>
           </p:cNvPr>
@@ -9511,7 +9527,7 @@
           <p:cNvPr id="15" name="TextBox 14">
             <a:extLst>
               <a:ext uri="{FF2B5EF4-FFF2-40B4-BE49-F238E27FC236}">
-                <a16:creationId xmlns:a16="http://schemas.microsoft.com/office/drawing/2014/main" xmlns="" id="{B2892069-F950-4415-B2B0-DA0EEC6B1BC0}"/>
+                <a16:creationId xmlns="" xmlns:a16="http://schemas.microsoft.com/office/drawing/2014/main" id="{B2892069-F950-4415-B2B0-DA0EEC6B1BC0}"/>
               </a:ext>
             </a:extLst>
           </p:cNvPr>
@@ -9550,7 +9566,7 @@
           <p:cNvPr id="20" name="TextBox 19">
             <a:extLst>
               <a:ext uri="{FF2B5EF4-FFF2-40B4-BE49-F238E27FC236}">
-                <a16:creationId xmlns:a16="http://schemas.microsoft.com/office/drawing/2014/main" xmlns="" id="{55D7D538-70B4-43F2-944A-6633B39142F4}"/>
+                <a16:creationId xmlns="" xmlns:a16="http://schemas.microsoft.com/office/drawing/2014/main" id="{55D7D538-70B4-43F2-944A-6633B39142F4}"/>
               </a:ext>
             </a:extLst>
           </p:cNvPr>
@@ -9589,7 +9605,7 @@
           <p:cNvPr id="21" name="TextBox 20">
             <a:extLst>
               <a:ext uri="{FF2B5EF4-FFF2-40B4-BE49-F238E27FC236}">
-                <a16:creationId xmlns:a16="http://schemas.microsoft.com/office/drawing/2014/main" xmlns="" id="{6A23DAEB-6DCE-4737-BB58-84D4D3616BDF}"/>
+                <a16:creationId xmlns="" xmlns:a16="http://schemas.microsoft.com/office/drawing/2014/main" id="{6A23DAEB-6DCE-4737-BB58-84D4D3616BDF}"/>
               </a:ext>
             </a:extLst>
           </p:cNvPr>
@@ -9628,7 +9644,7 @@
           <p:cNvPr id="22" name="직사각형 21">
             <a:extLst>
               <a:ext uri="{FF2B5EF4-FFF2-40B4-BE49-F238E27FC236}">
-                <a16:creationId xmlns:a16="http://schemas.microsoft.com/office/drawing/2014/main" xmlns="" id="{0815533F-2873-4AA3-BFCC-6D8E3DF7ED5F}"/>
+                <a16:creationId xmlns="" xmlns:a16="http://schemas.microsoft.com/office/drawing/2014/main" id="{0815533F-2873-4AA3-BFCC-6D8E3DF7ED5F}"/>
               </a:ext>
             </a:extLst>
           </p:cNvPr>
@@ -9684,7 +9700,7 @@
           <p:cNvPr id="23" name="TextBox 22">
             <a:extLst>
               <a:ext uri="{FF2B5EF4-FFF2-40B4-BE49-F238E27FC236}">
-                <a16:creationId xmlns:a16="http://schemas.microsoft.com/office/drawing/2014/main" xmlns="" id="{27F02332-4E2F-442D-B4F7-2B56CDF9B969}"/>
+                <a16:creationId xmlns="" xmlns:a16="http://schemas.microsoft.com/office/drawing/2014/main" id="{27F02332-4E2F-442D-B4F7-2B56CDF9B969}"/>
               </a:ext>
             </a:extLst>
           </p:cNvPr>
@@ -9725,7 +9741,7 @@
           <p:cNvPr id="24" name="TextBox 23">
             <a:extLst>
               <a:ext uri="{FF2B5EF4-FFF2-40B4-BE49-F238E27FC236}">
-                <a16:creationId xmlns:a16="http://schemas.microsoft.com/office/drawing/2014/main" xmlns="" id="{B2892069-F950-4415-B2B0-DA0EEC6B1BC0}"/>
+                <a16:creationId xmlns="" xmlns:a16="http://schemas.microsoft.com/office/drawing/2014/main" id="{B2892069-F950-4415-B2B0-DA0EEC6B1BC0}"/>
               </a:ext>
             </a:extLst>
           </p:cNvPr>
@@ -9760,7 +9776,7 @@
           <p:cNvPr id="25" name="TextBox 24">
             <a:extLst>
               <a:ext uri="{FF2B5EF4-FFF2-40B4-BE49-F238E27FC236}">
-                <a16:creationId xmlns:a16="http://schemas.microsoft.com/office/drawing/2014/main" xmlns="" id="{55D7D538-70B4-43F2-944A-6633B39142F4}"/>
+                <a16:creationId xmlns="" xmlns:a16="http://schemas.microsoft.com/office/drawing/2014/main" id="{55D7D538-70B4-43F2-944A-6633B39142F4}"/>
               </a:ext>
             </a:extLst>
           </p:cNvPr>
@@ -9884,7 +9900,7 @@
           <p:cNvPr id="3" name="그림 2">
             <a:extLst>
               <a:ext uri="{FF2B5EF4-FFF2-40B4-BE49-F238E27FC236}">
-                <a16:creationId xmlns:a16="http://schemas.microsoft.com/office/drawing/2014/main" xmlns="" id="{15F4F375-8BB1-4282-9BFF-B0172892ED67}"/>
+                <a16:creationId xmlns="" xmlns:a16="http://schemas.microsoft.com/office/drawing/2014/main" id="{15F4F375-8BB1-4282-9BFF-B0172892ED67}"/>
               </a:ext>
             </a:extLst>
           </p:cNvPr>
@@ -9919,7 +9935,7 @@
           <p:cNvPr id="4" name="직사각형 3">
             <a:extLst>
               <a:ext uri="{FF2B5EF4-FFF2-40B4-BE49-F238E27FC236}">
-                <a16:creationId xmlns:a16="http://schemas.microsoft.com/office/drawing/2014/main" xmlns="" id="{816C3911-5B6C-4D38-9286-517AE8AE83E1}"/>
+                <a16:creationId xmlns="" xmlns:a16="http://schemas.microsoft.com/office/drawing/2014/main" id="{816C3911-5B6C-4D38-9286-517AE8AE83E1}"/>
               </a:ext>
             </a:extLst>
           </p:cNvPr>
@@ -9973,7 +9989,7 @@
           <p:cNvPr id="5" name="大かっこ 3">
             <a:extLst>
               <a:ext uri="{FF2B5EF4-FFF2-40B4-BE49-F238E27FC236}">
-                <a16:creationId xmlns:a16="http://schemas.microsoft.com/office/drawing/2014/main" xmlns="" id="{68E853F1-1F7B-47C8-9880-B54DC95E02BD}"/>
+                <a16:creationId xmlns="" xmlns:a16="http://schemas.microsoft.com/office/drawing/2014/main" id="{68E853F1-1F7B-47C8-9880-B54DC95E02BD}"/>
               </a:ext>
             </a:extLst>
           </p:cNvPr>
@@ -10022,7 +10038,7 @@
           <p:cNvPr id="6" name="TextBox 5">
             <a:extLst>
               <a:ext uri="{FF2B5EF4-FFF2-40B4-BE49-F238E27FC236}">
-                <a16:creationId xmlns:a16="http://schemas.microsoft.com/office/drawing/2014/main" xmlns="" id="{5CBC6A7F-B3B7-4695-9926-21DE1D06841C}"/>
+                <a16:creationId xmlns="" xmlns:a16="http://schemas.microsoft.com/office/drawing/2014/main" id="{5CBC6A7F-B3B7-4695-9926-21DE1D06841C}"/>
               </a:ext>
             </a:extLst>
           </p:cNvPr>
@@ -10062,7 +10078,7 @@
           <p:cNvPr id="8" name="직선 연결선 7">
             <a:extLst>
               <a:ext uri="{FF2B5EF4-FFF2-40B4-BE49-F238E27FC236}">
-                <a16:creationId xmlns:a16="http://schemas.microsoft.com/office/drawing/2014/main" xmlns="" id="{CBDA4C08-5747-4514-B341-D1B152ADD7C4}"/>
+                <a16:creationId xmlns="" xmlns:a16="http://schemas.microsoft.com/office/drawing/2014/main" id="{CBDA4C08-5747-4514-B341-D1B152ADD7C4}"/>
               </a:ext>
             </a:extLst>
           </p:cNvPr>
@@ -10103,7 +10119,7 @@
           <p:cNvPr id="7" name="TextBox 6">
             <a:extLst>
               <a:ext uri="{FF2B5EF4-FFF2-40B4-BE49-F238E27FC236}">
-                <a16:creationId xmlns:a16="http://schemas.microsoft.com/office/drawing/2014/main" xmlns="" id="{5CBC6A7F-B3B7-4695-9926-21DE1D06841C}"/>
+                <a16:creationId xmlns="" xmlns:a16="http://schemas.microsoft.com/office/drawing/2014/main" id="{5CBC6A7F-B3B7-4695-9926-21DE1D06841C}"/>
               </a:ext>
             </a:extLst>
           </p:cNvPr>
@@ -10178,7 +10194,7 @@
           <p:cNvPr id="25" name="직사각형 24">
             <a:extLst>
               <a:ext uri="{FF2B5EF4-FFF2-40B4-BE49-F238E27FC236}">
-                <a16:creationId xmlns:a16="http://schemas.microsoft.com/office/drawing/2014/main" xmlns="" id="{80BCC18D-15D6-4765-8145-181B9EDE033A}"/>
+                <a16:creationId xmlns="" xmlns:a16="http://schemas.microsoft.com/office/drawing/2014/main" id="{80BCC18D-15D6-4765-8145-181B9EDE033A}"/>
               </a:ext>
             </a:extLst>
           </p:cNvPr>
@@ -10232,7 +10248,7 @@
           <p:cNvPr id="5" name="타원 4">
             <a:extLst>
               <a:ext uri="{FF2B5EF4-FFF2-40B4-BE49-F238E27FC236}">
-                <a16:creationId xmlns:a16="http://schemas.microsoft.com/office/drawing/2014/main" xmlns="" id="{8A35C2C4-14D6-419F-A213-BDBCBDAFCFF3}"/>
+                <a16:creationId xmlns="" xmlns:a16="http://schemas.microsoft.com/office/drawing/2014/main" id="{8A35C2C4-14D6-419F-A213-BDBCBDAFCFF3}"/>
               </a:ext>
             </a:extLst>
           </p:cNvPr>
@@ -10286,7 +10302,7 @@
           <p:cNvPr id="7" name="타원 6">
             <a:extLst>
               <a:ext uri="{FF2B5EF4-FFF2-40B4-BE49-F238E27FC236}">
-                <a16:creationId xmlns:a16="http://schemas.microsoft.com/office/drawing/2014/main" xmlns="" id="{9ACF8EE2-DF0F-4A49-A156-B8679A9124D8}"/>
+                <a16:creationId xmlns="" xmlns:a16="http://schemas.microsoft.com/office/drawing/2014/main" id="{9ACF8EE2-DF0F-4A49-A156-B8679A9124D8}"/>
               </a:ext>
             </a:extLst>
           </p:cNvPr>
@@ -10338,7 +10354,7 @@
           <p:cNvPr id="8" name="타원 7">
             <a:extLst>
               <a:ext uri="{FF2B5EF4-FFF2-40B4-BE49-F238E27FC236}">
-                <a16:creationId xmlns:a16="http://schemas.microsoft.com/office/drawing/2014/main" xmlns="" id="{2A7F87FB-2354-4FBE-8B84-E32BE6BD4609}"/>
+                <a16:creationId xmlns="" xmlns:a16="http://schemas.microsoft.com/office/drawing/2014/main" id="{2A7F87FB-2354-4FBE-8B84-E32BE6BD4609}"/>
               </a:ext>
             </a:extLst>
           </p:cNvPr>
@@ -10390,7 +10406,7 @@
           <p:cNvPr id="9" name="이등변 삼각형 8">
             <a:extLst>
               <a:ext uri="{FF2B5EF4-FFF2-40B4-BE49-F238E27FC236}">
-                <a16:creationId xmlns:a16="http://schemas.microsoft.com/office/drawing/2014/main" xmlns="" id="{8DABD564-F17B-48B8-9CEB-93CE6ACE3C90}"/>
+                <a16:creationId xmlns="" xmlns:a16="http://schemas.microsoft.com/office/drawing/2014/main" id="{8DABD564-F17B-48B8-9CEB-93CE6ACE3C90}"/>
               </a:ext>
             </a:extLst>
           </p:cNvPr>
@@ -10445,7 +10461,7 @@
           <p:cNvPr id="11" name="이등변 삼각형 10">
             <a:extLst>
               <a:ext uri="{FF2B5EF4-FFF2-40B4-BE49-F238E27FC236}">
-                <a16:creationId xmlns:a16="http://schemas.microsoft.com/office/drawing/2014/main" xmlns="" id="{E56346F1-D7F1-4C6D-98C0-ECC380ACBF54}"/>
+                <a16:creationId xmlns="" xmlns:a16="http://schemas.microsoft.com/office/drawing/2014/main" id="{E56346F1-D7F1-4C6D-98C0-ECC380ACBF54}"/>
               </a:ext>
             </a:extLst>
           </p:cNvPr>
@@ -10500,7 +10516,7 @@
           <p:cNvPr id="13" name="직선 연결선 12">
             <a:extLst>
               <a:ext uri="{FF2B5EF4-FFF2-40B4-BE49-F238E27FC236}">
-                <a16:creationId xmlns:a16="http://schemas.microsoft.com/office/drawing/2014/main" xmlns="" id="{71F7433B-987A-4B3A-AF3C-7695CDF593CD}"/>
+                <a16:creationId xmlns="" xmlns:a16="http://schemas.microsoft.com/office/drawing/2014/main" id="{71F7433B-987A-4B3A-AF3C-7695CDF593CD}"/>
               </a:ext>
             </a:extLst>
           </p:cNvPr>
@@ -10545,7 +10561,7 @@
           <p:cNvPr id="17" name="TextBox 16">
             <a:extLst>
               <a:ext uri="{FF2B5EF4-FFF2-40B4-BE49-F238E27FC236}">
-                <a16:creationId xmlns:a16="http://schemas.microsoft.com/office/drawing/2014/main" xmlns="" id="{C28DF4D3-C3CA-4A30-A11E-94929ADC193F}"/>
+                <a16:creationId xmlns="" xmlns:a16="http://schemas.microsoft.com/office/drawing/2014/main" id="{C28DF4D3-C3CA-4A30-A11E-94929ADC193F}"/>
               </a:ext>
             </a:extLst>
           </p:cNvPr>
@@ -10594,7 +10610,7 @@
           <p:cNvPr id="24" name="TextBox 23">
             <a:extLst>
               <a:ext uri="{FF2B5EF4-FFF2-40B4-BE49-F238E27FC236}">
-                <a16:creationId xmlns:a16="http://schemas.microsoft.com/office/drawing/2014/main" xmlns="" id="{D0F75021-5B31-46EE-9FEF-8D26A463C771}"/>
+                <a16:creationId xmlns="" xmlns:a16="http://schemas.microsoft.com/office/drawing/2014/main" id="{D0F75021-5B31-46EE-9FEF-8D26A463C771}"/>
               </a:ext>
             </a:extLst>
           </p:cNvPr>
@@ -10646,7 +10662,7 @@
           <p:cNvPr id="27" name="타원 26">
             <a:extLst>
               <a:ext uri="{FF2B5EF4-FFF2-40B4-BE49-F238E27FC236}">
-                <a16:creationId xmlns:a16="http://schemas.microsoft.com/office/drawing/2014/main" xmlns="" id="{D3533A47-434A-479E-B648-14B943E7F8AD}"/>
+                <a16:creationId xmlns="" xmlns:a16="http://schemas.microsoft.com/office/drawing/2014/main" id="{D3533A47-434A-479E-B648-14B943E7F8AD}"/>
               </a:ext>
             </a:extLst>
           </p:cNvPr>
@@ -10698,7 +10714,7 @@
           <p:cNvPr id="28" name="이등변 삼각형 27">
             <a:extLst>
               <a:ext uri="{FF2B5EF4-FFF2-40B4-BE49-F238E27FC236}">
-                <a16:creationId xmlns:a16="http://schemas.microsoft.com/office/drawing/2014/main" xmlns="" id="{45D9A111-28F2-4FAF-B4B6-4BA2589EE359}"/>
+                <a16:creationId xmlns="" xmlns:a16="http://schemas.microsoft.com/office/drawing/2014/main" id="{45D9A111-28F2-4FAF-B4B6-4BA2589EE359}"/>
               </a:ext>
             </a:extLst>
           </p:cNvPr>
@@ -10753,7 +10769,7 @@
           <p:cNvPr id="45" name="직선 연결선 44">
             <a:extLst>
               <a:ext uri="{FF2B5EF4-FFF2-40B4-BE49-F238E27FC236}">
-                <a16:creationId xmlns:a16="http://schemas.microsoft.com/office/drawing/2014/main" xmlns="" id="{1624975A-E0CF-424B-9D24-073D97901328}"/>
+                <a16:creationId xmlns="" xmlns:a16="http://schemas.microsoft.com/office/drawing/2014/main" id="{1624975A-E0CF-424B-9D24-073D97901328}"/>
               </a:ext>
             </a:extLst>
           </p:cNvPr>
@@ -10798,7 +10814,7 @@
           <p:cNvPr id="47" name="직선 연결선 46">
             <a:extLst>
               <a:ext uri="{FF2B5EF4-FFF2-40B4-BE49-F238E27FC236}">
-                <a16:creationId xmlns:a16="http://schemas.microsoft.com/office/drawing/2014/main" xmlns="" id="{86BB9885-8FAB-4402-9358-A31C1A9CA0FC}"/>
+                <a16:creationId xmlns="" xmlns:a16="http://schemas.microsoft.com/office/drawing/2014/main" id="{86BB9885-8FAB-4402-9358-A31C1A9CA0FC}"/>
               </a:ext>
             </a:extLst>
           </p:cNvPr>
@@ -10843,7 +10859,7 @@
           <p:cNvPr id="48" name="직선 연결선 47">
             <a:extLst>
               <a:ext uri="{FF2B5EF4-FFF2-40B4-BE49-F238E27FC236}">
-                <a16:creationId xmlns:a16="http://schemas.microsoft.com/office/drawing/2014/main" xmlns="" id="{F25E97D5-07B9-4F01-9C24-B495C7A089EA}"/>
+                <a16:creationId xmlns="" xmlns:a16="http://schemas.microsoft.com/office/drawing/2014/main" id="{F25E97D5-07B9-4F01-9C24-B495C7A089EA}"/>
               </a:ext>
             </a:extLst>
           </p:cNvPr>
@@ -10888,7 +10904,7 @@
           <p:cNvPr id="54" name="그림 53" descr="개체이(가) 표시된 사진&#10;&#10;자동 생성된 설명">
             <a:extLst>
               <a:ext uri="{FF2B5EF4-FFF2-40B4-BE49-F238E27FC236}">
-                <a16:creationId xmlns:a16="http://schemas.microsoft.com/office/drawing/2014/main" xmlns="" id="{2984E395-61DF-4F90-8681-4F6DDAE8E798}"/>
+                <a16:creationId xmlns="" xmlns:a16="http://schemas.microsoft.com/office/drawing/2014/main" id="{2984E395-61DF-4F90-8681-4F6DDAE8E798}"/>
               </a:ext>
             </a:extLst>
           </p:cNvPr>
@@ -10924,7 +10940,7 @@
           <p:cNvPr id="58" name="그림 57" descr="벡터그래픽이(가) 표시된 사진&#10;&#10;자동 생성된 설명">
             <a:extLst>
               <a:ext uri="{FF2B5EF4-FFF2-40B4-BE49-F238E27FC236}">
-                <a16:creationId xmlns:a16="http://schemas.microsoft.com/office/drawing/2014/main" xmlns="" id="{A291FCFF-B398-4040-89AF-8AD4ECAF1B51}"/>
+                <a16:creationId xmlns="" xmlns:a16="http://schemas.microsoft.com/office/drawing/2014/main" id="{A291FCFF-B398-4040-89AF-8AD4ECAF1B51}"/>
               </a:ext>
             </a:extLst>
           </p:cNvPr>
@@ -10960,7 +10976,7 @@
           <p:cNvPr id="60" name="그림 59" descr="개체이(가) 표시된 사진&#10;&#10;자동 생성된 설명">
             <a:extLst>
               <a:ext uri="{FF2B5EF4-FFF2-40B4-BE49-F238E27FC236}">
-                <a16:creationId xmlns:a16="http://schemas.microsoft.com/office/drawing/2014/main" xmlns="" id="{D6041762-C26C-4123-8280-B7AE1D088223}"/>
+                <a16:creationId xmlns="" xmlns:a16="http://schemas.microsoft.com/office/drawing/2014/main" id="{D6041762-C26C-4123-8280-B7AE1D088223}"/>
               </a:ext>
             </a:extLst>
           </p:cNvPr>
@@ -10996,7 +11012,7 @@
           <p:cNvPr id="62" name="그림 61">
             <a:extLst>
               <a:ext uri="{FF2B5EF4-FFF2-40B4-BE49-F238E27FC236}">
-                <a16:creationId xmlns:a16="http://schemas.microsoft.com/office/drawing/2014/main" xmlns="" id="{E78C67A7-F2B8-4407-8068-E04C388B2B5D}"/>
+                <a16:creationId xmlns="" xmlns:a16="http://schemas.microsoft.com/office/drawing/2014/main" id="{E78C67A7-F2B8-4407-8068-E04C388B2B5D}"/>
               </a:ext>
             </a:extLst>
           </p:cNvPr>
@@ -11032,7 +11048,7 @@
           <p:cNvPr id="63" name="TextBox 62">
             <a:extLst>
               <a:ext uri="{FF2B5EF4-FFF2-40B4-BE49-F238E27FC236}">
-                <a16:creationId xmlns:a16="http://schemas.microsoft.com/office/drawing/2014/main" xmlns="" id="{A21F2673-51DF-4454-B637-92E6AC620230}"/>
+                <a16:creationId xmlns="" xmlns:a16="http://schemas.microsoft.com/office/drawing/2014/main" id="{A21F2673-51DF-4454-B637-92E6AC620230}"/>
               </a:ext>
             </a:extLst>
           </p:cNvPr>
@@ -11081,7 +11097,7 @@
           <p:cNvPr id="64" name="TextBox 63">
             <a:extLst>
               <a:ext uri="{FF2B5EF4-FFF2-40B4-BE49-F238E27FC236}">
-                <a16:creationId xmlns:a16="http://schemas.microsoft.com/office/drawing/2014/main" xmlns="" id="{DBEE0F6C-49E7-4879-88B0-414567519A24}"/>
+                <a16:creationId xmlns="" xmlns:a16="http://schemas.microsoft.com/office/drawing/2014/main" id="{DBEE0F6C-49E7-4879-88B0-414567519A24}"/>
               </a:ext>
             </a:extLst>
           </p:cNvPr>
@@ -11130,7 +11146,7 @@
           <p:cNvPr id="65" name="TextBox 64">
             <a:extLst>
               <a:ext uri="{FF2B5EF4-FFF2-40B4-BE49-F238E27FC236}">
-                <a16:creationId xmlns:a16="http://schemas.microsoft.com/office/drawing/2014/main" xmlns="" id="{41A3E798-EEED-407E-8C72-6E426E6DC9A3}"/>
+                <a16:creationId xmlns="" xmlns:a16="http://schemas.microsoft.com/office/drawing/2014/main" id="{41A3E798-EEED-407E-8C72-6E426E6DC9A3}"/>
               </a:ext>
             </a:extLst>
           </p:cNvPr>
@@ -11179,7 +11195,7 @@
           <p:cNvPr id="67" name="TextBox 66">
             <a:extLst>
               <a:ext uri="{FF2B5EF4-FFF2-40B4-BE49-F238E27FC236}">
-                <a16:creationId xmlns:a16="http://schemas.microsoft.com/office/drawing/2014/main" xmlns="" id="{20A65ED2-3950-4EF9-934A-8AEF430CF42B}"/>
+                <a16:creationId xmlns="" xmlns:a16="http://schemas.microsoft.com/office/drawing/2014/main" id="{20A65ED2-3950-4EF9-934A-8AEF430CF42B}"/>
               </a:ext>
             </a:extLst>
           </p:cNvPr>
@@ -11228,7 +11244,7 @@
           <p:cNvPr id="68" name="TextBox 67">
             <a:extLst>
               <a:ext uri="{FF2B5EF4-FFF2-40B4-BE49-F238E27FC236}">
-                <a16:creationId xmlns:a16="http://schemas.microsoft.com/office/drawing/2014/main" xmlns="" id="{AB8061C1-B7E0-4214-A70D-84D80E2B6937}"/>
+                <a16:creationId xmlns="" xmlns:a16="http://schemas.microsoft.com/office/drawing/2014/main" id="{AB8061C1-B7E0-4214-A70D-84D80E2B6937}"/>
               </a:ext>
             </a:extLst>
           </p:cNvPr>
@@ -11297,7 +11313,7 @@
           <p:cNvPr id="69" name="TextBox 68">
             <a:extLst>
               <a:ext uri="{FF2B5EF4-FFF2-40B4-BE49-F238E27FC236}">
-                <a16:creationId xmlns:a16="http://schemas.microsoft.com/office/drawing/2014/main" xmlns="" id="{A0D03743-D3D5-4DEC-9864-5F19C577563D}"/>
+                <a16:creationId xmlns="" xmlns:a16="http://schemas.microsoft.com/office/drawing/2014/main" id="{A0D03743-D3D5-4DEC-9864-5F19C577563D}"/>
               </a:ext>
             </a:extLst>
           </p:cNvPr>
@@ -11366,7 +11382,7 @@
           <p:cNvPr id="30" name="TextBox 29">
             <a:extLst>
               <a:ext uri="{FF2B5EF4-FFF2-40B4-BE49-F238E27FC236}">
-                <a16:creationId xmlns:a16="http://schemas.microsoft.com/office/drawing/2014/main" xmlns="" id="{0E5A8486-3BD6-4FD3-B6D4-BFD5189CEBF8}"/>
+                <a16:creationId xmlns="" xmlns:a16="http://schemas.microsoft.com/office/drawing/2014/main" id="{0E5A8486-3BD6-4FD3-B6D4-BFD5189CEBF8}"/>
               </a:ext>
             </a:extLst>
           </p:cNvPr>
@@ -11407,7 +11423,7 @@
           <p:cNvPr id="31" name="직선 연결선 30">
             <a:extLst>
               <a:ext uri="{FF2B5EF4-FFF2-40B4-BE49-F238E27FC236}">
-                <a16:creationId xmlns:a16="http://schemas.microsoft.com/office/drawing/2014/main" xmlns="" id="{BE2A7FC0-EF40-4CE0-B597-5D965AE43EE5}"/>
+                <a16:creationId xmlns="" xmlns:a16="http://schemas.microsoft.com/office/drawing/2014/main" id="{BE2A7FC0-EF40-4CE0-B597-5D965AE43EE5}"/>
               </a:ext>
             </a:extLst>
           </p:cNvPr>
@@ -11453,7 +11469,7 @@
           <p:cNvPr id="32" name="TextBox 31">
             <a:extLst>
               <a:ext uri="{FF2B5EF4-FFF2-40B4-BE49-F238E27FC236}">
-                <a16:creationId xmlns:a16="http://schemas.microsoft.com/office/drawing/2014/main" xmlns="" id="{A0D03743-D3D5-4DEC-9864-5F19C577563D}"/>
+                <a16:creationId xmlns="" xmlns:a16="http://schemas.microsoft.com/office/drawing/2014/main" id="{A0D03743-D3D5-4DEC-9864-5F19C577563D}"/>
               </a:ext>
             </a:extLst>
           </p:cNvPr>
@@ -11552,7 +11568,7 @@
           <p:cNvPr id="2" name="TextBox 1">
             <a:extLst>
               <a:ext uri="{FF2B5EF4-FFF2-40B4-BE49-F238E27FC236}">
-                <a16:creationId xmlns:a16="http://schemas.microsoft.com/office/drawing/2014/main" xmlns="" id="{528C7091-2D33-457B-85C5-396C5DE5CAC5}"/>
+                <a16:creationId xmlns="" xmlns:a16="http://schemas.microsoft.com/office/drawing/2014/main" id="{528C7091-2D33-457B-85C5-396C5DE5CAC5}"/>
               </a:ext>
             </a:extLst>
           </p:cNvPr>
@@ -11593,7 +11609,7 @@
           <p:cNvPr id="3" name="직선 연결선 2">
             <a:extLst>
               <a:ext uri="{FF2B5EF4-FFF2-40B4-BE49-F238E27FC236}">
-                <a16:creationId xmlns:a16="http://schemas.microsoft.com/office/drawing/2014/main" xmlns="" id="{E81711AD-F741-4B9C-BF11-3E3333B6B8F0}"/>
+                <a16:creationId xmlns="" xmlns:a16="http://schemas.microsoft.com/office/drawing/2014/main" id="{E81711AD-F741-4B9C-BF11-3E3333B6B8F0}"/>
               </a:ext>
             </a:extLst>
           </p:cNvPr>
@@ -11639,7 +11655,7 @@
           <p:cNvPr id="7" name="TextBox 6">
             <a:extLst>
               <a:ext uri="{FF2B5EF4-FFF2-40B4-BE49-F238E27FC236}">
-                <a16:creationId xmlns:a16="http://schemas.microsoft.com/office/drawing/2014/main" xmlns="" id="{3E5C9DEB-6639-4850-ACA0-5FA1035481B6}"/>
+                <a16:creationId xmlns="" xmlns:a16="http://schemas.microsoft.com/office/drawing/2014/main" id="{3E5C9DEB-6639-4850-ACA0-5FA1035481B6}"/>
               </a:ext>
             </a:extLst>
           </p:cNvPr>
@@ -11694,7 +11710,7 @@
           <p:cNvPr id="24" name="그룹 23">
             <a:extLst>
               <a:ext uri="{FF2B5EF4-FFF2-40B4-BE49-F238E27FC236}">
-                <a16:creationId xmlns:a16="http://schemas.microsoft.com/office/drawing/2014/main" xmlns="" id="{19C8E21E-1312-4892-9C5E-EBA341580A8E}"/>
+                <a16:creationId xmlns="" xmlns:a16="http://schemas.microsoft.com/office/drawing/2014/main" id="{19C8E21E-1312-4892-9C5E-EBA341580A8E}"/>
               </a:ext>
             </a:extLst>
           </p:cNvPr>
@@ -11714,7 +11730,7 @@
             <p:cNvPr id="25" name="그룹 24">
               <a:extLst>
                 <a:ext uri="{FF2B5EF4-FFF2-40B4-BE49-F238E27FC236}">
-                  <a16:creationId xmlns:a16="http://schemas.microsoft.com/office/drawing/2014/main" xmlns="" id="{FFA7736F-4A9C-43CF-B1D7-C1D4F23FC249}"/>
+                  <a16:creationId xmlns="" xmlns:a16="http://schemas.microsoft.com/office/drawing/2014/main" id="{FFA7736F-4A9C-43CF-B1D7-C1D4F23FC249}"/>
                 </a:ext>
               </a:extLst>
             </p:cNvPr>
@@ -11734,7 +11750,7 @@
               <p:cNvPr id="29" name="Picture 4" descr="ì¤ë§í¸í° ìì´ì½ì ëí ì´ë¯¸ì§ ê²ìê²°ê³¼">
                 <a:extLst>
                   <a:ext uri="{FF2B5EF4-FFF2-40B4-BE49-F238E27FC236}">
-                    <a16:creationId xmlns:a16="http://schemas.microsoft.com/office/drawing/2014/main" xmlns="" id="{DD52D9AA-A738-4817-B510-228AA43820F8}"/>
+                    <a16:creationId xmlns="" xmlns:a16="http://schemas.microsoft.com/office/drawing/2014/main" id="{DD52D9AA-A738-4817-B510-228AA43820F8}"/>
                   </a:ext>
                 </a:extLst>
               </p:cNvPr>
@@ -11779,7 +11795,7 @@
               <p:cNvPr id="30" name="그룹 29">
                 <a:extLst>
                   <a:ext uri="{FF2B5EF4-FFF2-40B4-BE49-F238E27FC236}">
-                    <a16:creationId xmlns:a16="http://schemas.microsoft.com/office/drawing/2014/main" xmlns="" id="{9A11045A-DCF1-43CC-821E-9C2DC8832A62}"/>
+                    <a16:creationId xmlns="" xmlns:a16="http://schemas.microsoft.com/office/drawing/2014/main" id="{9A11045A-DCF1-43CC-821E-9C2DC8832A62}"/>
                   </a:ext>
                 </a:extLst>
               </p:cNvPr>
@@ -11799,7 +11815,7 @@
                 <p:cNvPr id="31" name="TextBox 30">
                   <a:extLst>
                     <a:ext uri="{FF2B5EF4-FFF2-40B4-BE49-F238E27FC236}">
-                      <a16:creationId xmlns:a16="http://schemas.microsoft.com/office/drawing/2014/main" xmlns="" id="{DE188786-BA7F-4096-A415-2F780CCE60BC}"/>
+                      <a16:creationId xmlns="" xmlns:a16="http://schemas.microsoft.com/office/drawing/2014/main" id="{DE188786-BA7F-4096-A415-2F780CCE60BC}"/>
                     </a:ext>
                   </a:extLst>
                 </p:cNvPr>
@@ -11905,7 +11921,7 @@
                 <p:cNvPr id="32" name="Picture 2" descr="ë¹ ì½ì¹´ì½ë¼ì ëí ì´ë¯¸ì§ ê²ìê²°ê³¼">
                   <a:extLst>
                     <a:ext uri="{FF2B5EF4-FFF2-40B4-BE49-F238E27FC236}">
-                      <a16:creationId xmlns:a16="http://schemas.microsoft.com/office/drawing/2014/main" xmlns="" id="{7E39B473-D0A8-43BE-ADAE-D4ECEFF033C7}"/>
+                      <a16:creationId xmlns="" xmlns:a16="http://schemas.microsoft.com/office/drawing/2014/main" id="{7E39B473-D0A8-43BE-ADAE-D4ECEFF033C7}"/>
                     </a:ext>
                   </a:extLst>
                 </p:cNvPr>
@@ -11952,7 +11968,7 @@
             <p:cNvPr id="26" name="그룹 25">
               <a:extLst>
                 <a:ext uri="{FF2B5EF4-FFF2-40B4-BE49-F238E27FC236}">
-                  <a16:creationId xmlns:a16="http://schemas.microsoft.com/office/drawing/2014/main" xmlns="" id="{48CFA45F-649F-4B91-BA6E-123D41A60B06}"/>
+                  <a16:creationId xmlns="" xmlns:a16="http://schemas.microsoft.com/office/drawing/2014/main" id="{48CFA45F-649F-4B91-BA6E-123D41A60B06}"/>
                 </a:ext>
               </a:extLst>
             </p:cNvPr>
@@ -11972,7 +11988,7 @@
               <p:cNvPr id="27" name="Picture 2" descr="ë¹ ì½ì¹´ì½ë¼ì ëí ì´ë¯¸ì§ ê²ìê²°ê³¼">
                 <a:extLst>
                   <a:ext uri="{FF2B5EF4-FFF2-40B4-BE49-F238E27FC236}">
-                    <a16:creationId xmlns:a16="http://schemas.microsoft.com/office/drawing/2014/main" xmlns="" id="{181207E1-02B6-44E2-BDF2-C8E88BD97340}"/>
+                    <a16:creationId xmlns="" xmlns:a16="http://schemas.microsoft.com/office/drawing/2014/main" id="{181207E1-02B6-44E2-BDF2-C8E88BD97340}"/>
                   </a:ext>
                 </a:extLst>
               </p:cNvPr>
@@ -12017,7 +12033,7 @@
               <p:cNvPr id="28" name="그림 27">
                 <a:extLst>
                   <a:ext uri="{FF2B5EF4-FFF2-40B4-BE49-F238E27FC236}">
-                    <a16:creationId xmlns:a16="http://schemas.microsoft.com/office/drawing/2014/main" xmlns="" id="{C0AA9011-95E6-4106-931D-AF904B4E7015}"/>
+                    <a16:creationId xmlns="" xmlns:a16="http://schemas.microsoft.com/office/drawing/2014/main" id="{C0AA9011-95E6-4106-931D-AF904B4E7015}"/>
                   </a:ext>
                 </a:extLst>
               </p:cNvPr>
@@ -12049,7 +12065,7 @@
           <p:cNvPr id="33" name="그룹 32">
             <a:extLst>
               <a:ext uri="{FF2B5EF4-FFF2-40B4-BE49-F238E27FC236}">
-                <a16:creationId xmlns:a16="http://schemas.microsoft.com/office/drawing/2014/main" xmlns="" id="{002C7EA0-0821-484D-9C0C-DA005AC73564}"/>
+                <a16:creationId xmlns="" xmlns:a16="http://schemas.microsoft.com/office/drawing/2014/main" id="{002C7EA0-0821-484D-9C0C-DA005AC73564}"/>
               </a:ext>
             </a:extLst>
           </p:cNvPr>
@@ -12069,7 +12085,7 @@
             <p:cNvPr id="34" name="그룹 33">
               <a:extLst>
                 <a:ext uri="{FF2B5EF4-FFF2-40B4-BE49-F238E27FC236}">
-                  <a16:creationId xmlns:a16="http://schemas.microsoft.com/office/drawing/2014/main" xmlns="" id="{C6DD84D7-785D-4601-A537-1B3D95AB1BB4}"/>
+                  <a16:creationId xmlns="" xmlns:a16="http://schemas.microsoft.com/office/drawing/2014/main" id="{C6DD84D7-785D-4601-A537-1B3D95AB1BB4}"/>
                 </a:ext>
               </a:extLst>
             </p:cNvPr>
@@ -12089,7 +12105,7 @@
               <p:cNvPr id="36" name="Picture 2" descr="ì¤ë§í¸í° ìì´ì½ì ëí ì´ë¯¸ì§ ê²ìê²°ê³¼">
                 <a:extLst>
                   <a:ext uri="{FF2B5EF4-FFF2-40B4-BE49-F238E27FC236}">
-                    <a16:creationId xmlns:a16="http://schemas.microsoft.com/office/drawing/2014/main" xmlns="" id="{F0A7DBE9-1396-4D44-B993-13A8E1F35262}"/>
+                    <a16:creationId xmlns="" xmlns:a16="http://schemas.microsoft.com/office/drawing/2014/main" id="{F0A7DBE9-1396-4D44-B993-13A8E1F35262}"/>
                   </a:ext>
                 </a:extLst>
               </p:cNvPr>
@@ -12134,7 +12150,7 @@
               <p:cNvPr id="37" name="Picture 2" descr="ë¹ ì½ì¹´ì½ë¼ì ëí ì´ë¯¸ì§ ê²ìê²°ê³¼">
                 <a:extLst>
                   <a:ext uri="{FF2B5EF4-FFF2-40B4-BE49-F238E27FC236}">
-                    <a16:creationId xmlns:a16="http://schemas.microsoft.com/office/drawing/2014/main" xmlns="" id="{CCAD4CB5-868B-49E5-B8F8-097264D63218}"/>
+                    <a16:creationId xmlns="" xmlns:a16="http://schemas.microsoft.com/office/drawing/2014/main" id="{CCAD4CB5-868B-49E5-B8F8-097264D63218}"/>
                   </a:ext>
                 </a:extLst>
               </p:cNvPr>
@@ -12180,7 +12196,7 @@
             <p:cNvPr id="35" name="Picture 2" descr="ë¹ ì½ì¹´ì½ë¼ì ëí ì´ë¯¸ì§ ê²ìê²°ê³¼">
               <a:extLst>
                 <a:ext uri="{FF2B5EF4-FFF2-40B4-BE49-F238E27FC236}">
-                  <a16:creationId xmlns:a16="http://schemas.microsoft.com/office/drawing/2014/main" xmlns="" id="{95DB9CA1-1FCB-436F-98B5-1F91A9B36CF6}"/>
+                  <a16:creationId xmlns="" xmlns:a16="http://schemas.microsoft.com/office/drawing/2014/main" id="{95DB9CA1-1FCB-436F-98B5-1F91A9B36CF6}"/>
                 </a:ext>
               </a:extLst>
             </p:cNvPr>
@@ -12226,7 +12242,7 @@
           <p:cNvPr id="38" name="그룹 37">
             <a:extLst>
               <a:ext uri="{FF2B5EF4-FFF2-40B4-BE49-F238E27FC236}">
-                <a16:creationId xmlns:a16="http://schemas.microsoft.com/office/drawing/2014/main" xmlns="" id="{08856BBE-6824-47BD-B3DE-F8BF4C860E96}"/>
+                <a16:creationId xmlns="" xmlns:a16="http://schemas.microsoft.com/office/drawing/2014/main" id="{08856BBE-6824-47BD-B3DE-F8BF4C860E96}"/>
               </a:ext>
             </a:extLst>
           </p:cNvPr>
@@ -12246,7 +12262,7 @@
             <p:cNvPr id="39" name="Picture 4" descr="ì¤ë§í¸í° ìì´ì½ì ëí ì´ë¯¸ì§ ê²ìê²°ê³¼">
               <a:extLst>
                 <a:ext uri="{FF2B5EF4-FFF2-40B4-BE49-F238E27FC236}">
-                  <a16:creationId xmlns:a16="http://schemas.microsoft.com/office/drawing/2014/main" xmlns="" id="{6B84684B-BA6C-4FBD-9A3B-7B30CFBA57A8}"/>
+                  <a16:creationId xmlns="" xmlns:a16="http://schemas.microsoft.com/office/drawing/2014/main" id="{6B84684B-BA6C-4FBD-9A3B-7B30CFBA57A8}"/>
                 </a:ext>
               </a:extLst>
             </p:cNvPr>
@@ -12291,7 +12307,7 @@
             <p:cNvPr id="40" name="Picture 4" descr="carpet iconì ëí ì´ë¯¸ì§ ê²ìê²°ê³¼">
               <a:extLst>
                 <a:ext uri="{FF2B5EF4-FFF2-40B4-BE49-F238E27FC236}">
-                  <a16:creationId xmlns:a16="http://schemas.microsoft.com/office/drawing/2014/main" xmlns="" id="{60C89430-6941-4D24-A42F-E48011C00DBD}"/>
+                  <a16:creationId xmlns="" xmlns:a16="http://schemas.microsoft.com/office/drawing/2014/main" id="{60C89430-6941-4D24-A42F-E48011C00DBD}"/>
                 </a:ext>
               </a:extLst>
             </p:cNvPr>
@@ -12336,7 +12352,7 @@
             <p:cNvPr id="41" name="Picture 2" descr="ë¹ ì½ì¹´ì½ë¼ì ëí ì´ë¯¸ì§ ê²ìê²°ê³¼">
               <a:extLst>
                 <a:ext uri="{FF2B5EF4-FFF2-40B4-BE49-F238E27FC236}">
-                  <a16:creationId xmlns:a16="http://schemas.microsoft.com/office/drawing/2014/main" xmlns="" id="{2C5F1A5A-D96F-4284-B5CB-3708DEE11FE6}"/>
+                  <a16:creationId xmlns="" xmlns:a16="http://schemas.microsoft.com/office/drawing/2014/main" id="{2C5F1A5A-D96F-4284-B5CB-3708DEE11FE6}"/>
                 </a:ext>
               </a:extLst>
             </p:cNvPr>
@@ -12381,7 +12397,7 @@
             <p:cNvPr id="42" name="Picture 6" descr="backpack iconì ëí ì´ë¯¸ì§ ê²ìê²°ê³¼">
               <a:extLst>
                 <a:ext uri="{FF2B5EF4-FFF2-40B4-BE49-F238E27FC236}">
-                  <a16:creationId xmlns:a16="http://schemas.microsoft.com/office/drawing/2014/main" xmlns="" id="{E3DE18DD-C765-4C6B-BAAF-83B50D0FC0C7}"/>
+                  <a16:creationId xmlns="" xmlns:a16="http://schemas.microsoft.com/office/drawing/2014/main" id="{E3DE18DD-C765-4C6B-BAAF-83B50D0FC0C7}"/>
                 </a:ext>
               </a:extLst>
             </p:cNvPr>
@@ -12426,7 +12442,7 @@
             <p:cNvPr id="43" name="Picture 6" descr="ê´ë ¨ ì´ë¯¸ì§">
               <a:extLst>
                 <a:ext uri="{FF2B5EF4-FFF2-40B4-BE49-F238E27FC236}">
-                  <a16:creationId xmlns:a16="http://schemas.microsoft.com/office/drawing/2014/main" xmlns="" id="{D3D63E80-F3F0-4C43-A219-C9314F6D003E}"/>
+                  <a16:creationId xmlns="" xmlns:a16="http://schemas.microsoft.com/office/drawing/2014/main" id="{D3D63E80-F3F0-4C43-A219-C9314F6D003E}"/>
                 </a:ext>
               </a:extLst>
             </p:cNvPr>
@@ -12471,7 +12487,7 @@
             <p:cNvPr id="44" name="생각 풍선: 구름 모양 43">
               <a:extLst>
                 <a:ext uri="{FF2B5EF4-FFF2-40B4-BE49-F238E27FC236}">
-                  <a16:creationId xmlns:a16="http://schemas.microsoft.com/office/drawing/2014/main" xmlns="" id="{A42F2760-40AB-4E6A-8602-3ED6B978D635}"/>
+                  <a16:creationId xmlns="" xmlns:a16="http://schemas.microsoft.com/office/drawing/2014/main" id="{A42F2760-40AB-4E6A-8602-3ED6B978D635}"/>
                 </a:ext>
               </a:extLst>
             </p:cNvPr>
@@ -12523,7 +12539,7 @@
             <p:cNvPr id="45" name="생각 풍선: 구름 모양 44">
               <a:extLst>
                 <a:ext uri="{FF2B5EF4-FFF2-40B4-BE49-F238E27FC236}">
-                  <a16:creationId xmlns:a16="http://schemas.microsoft.com/office/drawing/2014/main" xmlns="" id="{10B3D19D-6AEB-43E8-872A-C7F0ADA5A8F9}"/>
+                  <a16:creationId xmlns="" xmlns:a16="http://schemas.microsoft.com/office/drawing/2014/main" id="{10B3D19D-6AEB-43E8-872A-C7F0ADA5A8F9}"/>
                 </a:ext>
               </a:extLst>
             </p:cNvPr>
@@ -12575,7 +12591,7 @@
             <p:cNvPr id="46" name="생각 풍선: 구름 모양 45">
               <a:extLst>
                 <a:ext uri="{FF2B5EF4-FFF2-40B4-BE49-F238E27FC236}">
-                  <a16:creationId xmlns:a16="http://schemas.microsoft.com/office/drawing/2014/main" xmlns="" id="{C9AAE089-1D26-4B6A-915D-66C0434FA0BD}"/>
+                  <a16:creationId xmlns="" xmlns:a16="http://schemas.microsoft.com/office/drawing/2014/main" id="{C9AAE089-1D26-4B6A-915D-66C0434FA0BD}"/>
                 </a:ext>
               </a:extLst>
             </p:cNvPr>
@@ -12627,7 +12643,7 @@
             <p:cNvPr id="47" name="생각 풍선: 구름 모양 46">
               <a:extLst>
                 <a:ext uri="{FF2B5EF4-FFF2-40B4-BE49-F238E27FC236}">
-                  <a16:creationId xmlns:a16="http://schemas.microsoft.com/office/drawing/2014/main" xmlns="" id="{7AC65F2A-CED4-4968-A7B6-7D74DC654ECC}"/>
+                  <a16:creationId xmlns="" xmlns:a16="http://schemas.microsoft.com/office/drawing/2014/main" id="{7AC65F2A-CED4-4968-A7B6-7D74DC654ECC}"/>
                 </a:ext>
               </a:extLst>
             </p:cNvPr>
@@ -12679,7 +12695,7 @@
             <p:cNvPr id="48" name="Picture 8" descr="sleeping bag iconì ëí ì´ë¯¸ì§ ê²ìê²°ê³¼">
               <a:extLst>
                 <a:ext uri="{FF2B5EF4-FFF2-40B4-BE49-F238E27FC236}">
-                  <a16:creationId xmlns:a16="http://schemas.microsoft.com/office/drawing/2014/main" xmlns="" id="{51213BA7-9BFF-4B12-9EBF-096D3900B1CF}"/>
+                  <a16:creationId xmlns="" xmlns:a16="http://schemas.microsoft.com/office/drawing/2014/main" id="{51213BA7-9BFF-4B12-9EBF-096D3900B1CF}"/>
                 </a:ext>
               </a:extLst>
             </p:cNvPr>
@@ -12724,7 +12740,7 @@
             <p:cNvPr id="49" name="TextBox 48">
               <a:extLst>
                 <a:ext uri="{FF2B5EF4-FFF2-40B4-BE49-F238E27FC236}">
-                  <a16:creationId xmlns:a16="http://schemas.microsoft.com/office/drawing/2014/main" xmlns="" id="{249C1D66-F391-4CBD-A2B0-9E522B7E3BD3}"/>
+                  <a16:creationId xmlns="" xmlns:a16="http://schemas.microsoft.com/office/drawing/2014/main" id="{249C1D66-F391-4CBD-A2B0-9E522B7E3BD3}"/>
                 </a:ext>
               </a:extLst>
             </p:cNvPr>
@@ -12934,7 +12950,7 @@
           <p:cNvPr id="2" name="TextBox 1">
             <a:extLst>
               <a:ext uri="{FF2B5EF4-FFF2-40B4-BE49-F238E27FC236}">
-                <a16:creationId xmlns:a16="http://schemas.microsoft.com/office/drawing/2014/main" xmlns="" id="{528C7091-2D33-457B-85C5-396C5DE5CAC5}"/>
+                <a16:creationId xmlns="" xmlns:a16="http://schemas.microsoft.com/office/drawing/2014/main" id="{528C7091-2D33-457B-85C5-396C5DE5CAC5}"/>
               </a:ext>
             </a:extLst>
           </p:cNvPr>
@@ -12975,7 +12991,7 @@
           <p:cNvPr id="3" name="직선 연결선 2">
             <a:extLst>
               <a:ext uri="{FF2B5EF4-FFF2-40B4-BE49-F238E27FC236}">
-                <a16:creationId xmlns:a16="http://schemas.microsoft.com/office/drawing/2014/main" xmlns="" id="{E81711AD-F741-4B9C-BF11-3E3333B6B8F0}"/>
+                <a16:creationId xmlns="" xmlns:a16="http://schemas.microsoft.com/office/drawing/2014/main" id="{E81711AD-F741-4B9C-BF11-3E3333B6B8F0}"/>
               </a:ext>
             </a:extLst>
           </p:cNvPr>
@@ -13021,7 +13037,7 @@
           <p:cNvPr id="4" name="사각형: 둥근 모서리 3">
             <a:extLst>
               <a:ext uri="{FF2B5EF4-FFF2-40B4-BE49-F238E27FC236}">
-                <a16:creationId xmlns:a16="http://schemas.microsoft.com/office/drawing/2014/main" xmlns="" id="{234A6D4A-DDD1-4F0F-BD1B-BF17306C3BB3}"/>
+                <a16:creationId xmlns="" xmlns:a16="http://schemas.microsoft.com/office/drawing/2014/main" id="{234A6D4A-DDD1-4F0F-BD1B-BF17306C3BB3}"/>
               </a:ext>
             </a:extLst>
           </p:cNvPr>
@@ -13075,7 +13091,7 @@
           <p:cNvPr id="7" name="TextBox 6">
             <a:extLst>
               <a:ext uri="{FF2B5EF4-FFF2-40B4-BE49-F238E27FC236}">
-                <a16:creationId xmlns:a16="http://schemas.microsoft.com/office/drawing/2014/main" xmlns="" id="{3E5C9DEB-6639-4850-ACA0-5FA1035481B6}"/>
+                <a16:creationId xmlns="" xmlns:a16="http://schemas.microsoft.com/office/drawing/2014/main" id="{3E5C9DEB-6639-4850-ACA0-5FA1035481B6}"/>
               </a:ext>
             </a:extLst>
           </p:cNvPr>
@@ -13130,7 +13146,7 @@
           <p:cNvPr id="13" name="사각형: 둥근 모서리 12">
             <a:extLst>
               <a:ext uri="{FF2B5EF4-FFF2-40B4-BE49-F238E27FC236}">
-                <a16:creationId xmlns:a16="http://schemas.microsoft.com/office/drawing/2014/main" xmlns="" id="{7DE085BE-C647-4881-AF89-880FB2CFB8B9}"/>
+                <a16:creationId xmlns="" xmlns:a16="http://schemas.microsoft.com/office/drawing/2014/main" id="{7DE085BE-C647-4881-AF89-880FB2CFB8B9}"/>
               </a:ext>
             </a:extLst>
           </p:cNvPr>
@@ -13187,7 +13203,7 @@
           <p:cNvPr id="14" name="사각형: 둥근 모서리 13">
             <a:extLst>
               <a:ext uri="{FF2B5EF4-FFF2-40B4-BE49-F238E27FC236}">
-                <a16:creationId xmlns:a16="http://schemas.microsoft.com/office/drawing/2014/main" xmlns="" id="{4D4C5E32-30A1-45FE-B384-2D438B57A0F0}"/>
+                <a16:creationId xmlns="" xmlns:a16="http://schemas.microsoft.com/office/drawing/2014/main" id="{4D4C5E32-30A1-45FE-B384-2D438B57A0F0}"/>
               </a:ext>
             </a:extLst>
           </p:cNvPr>
@@ -13244,7 +13260,7 @@
           <p:cNvPr id="15" name="TextBox 14">
             <a:extLst>
               <a:ext uri="{FF2B5EF4-FFF2-40B4-BE49-F238E27FC236}">
-                <a16:creationId xmlns:a16="http://schemas.microsoft.com/office/drawing/2014/main" xmlns="" id="{CE38B80C-2DDE-447B-8567-511E313FD558}"/>
+                <a16:creationId xmlns="" xmlns:a16="http://schemas.microsoft.com/office/drawing/2014/main" id="{CE38B80C-2DDE-447B-8567-511E313FD558}"/>
               </a:ext>
             </a:extLst>
           </p:cNvPr>
@@ -13281,7 +13297,7 @@
           <p:cNvPr id="16" name="TextBox 15">
             <a:extLst>
               <a:ext uri="{FF2B5EF4-FFF2-40B4-BE49-F238E27FC236}">
-                <a16:creationId xmlns:a16="http://schemas.microsoft.com/office/drawing/2014/main" xmlns="" id="{7144202E-723F-4DE9-A913-C078060DFED4}"/>
+                <a16:creationId xmlns="" xmlns:a16="http://schemas.microsoft.com/office/drawing/2014/main" id="{7144202E-723F-4DE9-A913-C078060DFED4}"/>
               </a:ext>
             </a:extLst>
           </p:cNvPr>
@@ -13366,7 +13382,7 @@
           <p:cNvPr id="17" name="TextBox 16">
             <a:extLst>
               <a:ext uri="{FF2B5EF4-FFF2-40B4-BE49-F238E27FC236}">
-                <a16:creationId xmlns:a16="http://schemas.microsoft.com/office/drawing/2014/main" xmlns="" id="{B74DD554-5A43-47F3-8B21-4BE15C7EA5E9}"/>
+                <a16:creationId xmlns="" xmlns:a16="http://schemas.microsoft.com/office/drawing/2014/main" id="{B74DD554-5A43-47F3-8B21-4BE15C7EA5E9}"/>
               </a:ext>
             </a:extLst>
           </p:cNvPr>
@@ -13403,7 +13419,7 @@
           <p:cNvPr id="18" name="TextBox 17">
             <a:extLst>
               <a:ext uri="{FF2B5EF4-FFF2-40B4-BE49-F238E27FC236}">
-                <a16:creationId xmlns:a16="http://schemas.microsoft.com/office/drawing/2014/main" xmlns="" id="{63690F36-2853-4E40-883B-2CBC6743ECB5}"/>
+                <a16:creationId xmlns="" xmlns:a16="http://schemas.microsoft.com/office/drawing/2014/main" id="{63690F36-2853-4E40-883B-2CBC6743ECB5}"/>
               </a:ext>
             </a:extLst>
           </p:cNvPr>
@@ -13502,7 +13518,7 @@
           <p:cNvPr id="4" name="직선 연결선 3">
             <a:extLst>
               <a:ext uri="{FF2B5EF4-FFF2-40B4-BE49-F238E27FC236}">
-                <a16:creationId xmlns:a16="http://schemas.microsoft.com/office/drawing/2014/main" xmlns="" id="{BE2A7FC0-EF40-4CE0-B597-5D965AE43EE5}"/>
+                <a16:creationId xmlns="" xmlns:a16="http://schemas.microsoft.com/office/drawing/2014/main" id="{BE2A7FC0-EF40-4CE0-B597-5D965AE43EE5}"/>
               </a:ext>
             </a:extLst>
           </p:cNvPr>
@@ -13547,7 +13563,7 @@
           <p:cNvPr id="3" name="TextBox 2">
             <a:extLst>
               <a:ext uri="{FF2B5EF4-FFF2-40B4-BE49-F238E27FC236}">
-                <a16:creationId xmlns:a16="http://schemas.microsoft.com/office/drawing/2014/main" xmlns="" id="{0AA9426E-B08C-48DB-8297-C7E312BE952F}"/>
+                <a16:creationId xmlns="" xmlns:a16="http://schemas.microsoft.com/office/drawing/2014/main" id="{0AA9426E-B08C-48DB-8297-C7E312BE952F}"/>
               </a:ext>
             </a:extLst>
           </p:cNvPr>
@@ -13595,7 +13611,7 @@
           <p:cNvPr id="16" name="TextBox 15">
             <a:extLst>
               <a:ext uri="{FF2B5EF4-FFF2-40B4-BE49-F238E27FC236}">
-                <a16:creationId xmlns:a16="http://schemas.microsoft.com/office/drawing/2014/main" xmlns="" id="{8116836B-4A99-4DA6-844A-6DA31D73B646}"/>
+                <a16:creationId xmlns="" xmlns:a16="http://schemas.microsoft.com/office/drawing/2014/main" id="{8116836B-4A99-4DA6-844A-6DA31D73B646}"/>
               </a:ext>
             </a:extLst>
           </p:cNvPr>
@@ -13643,7 +13659,7 @@
           <p:cNvPr id="17" name="TextBox 16">
             <a:extLst>
               <a:ext uri="{FF2B5EF4-FFF2-40B4-BE49-F238E27FC236}">
-                <a16:creationId xmlns:a16="http://schemas.microsoft.com/office/drawing/2014/main" xmlns="" id="{C658F02A-B088-48BF-BBA3-B59574AB41DC}"/>
+                <a16:creationId xmlns="" xmlns:a16="http://schemas.microsoft.com/office/drawing/2014/main" id="{C658F02A-B088-48BF-BBA3-B59574AB41DC}"/>
               </a:ext>
             </a:extLst>
           </p:cNvPr>
@@ -13691,7 +13707,7 @@
           <p:cNvPr id="19" name="TextBox 18">
             <a:extLst>
               <a:ext uri="{FF2B5EF4-FFF2-40B4-BE49-F238E27FC236}">
-                <a16:creationId xmlns:a16="http://schemas.microsoft.com/office/drawing/2014/main" xmlns="" id="{75923EE1-4BA6-40F9-AFBD-09A8B779C05D}"/>
+                <a16:creationId xmlns="" xmlns:a16="http://schemas.microsoft.com/office/drawing/2014/main" id="{75923EE1-4BA6-40F9-AFBD-09A8B779C05D}"/>
               </a:ext>
             </a:extLst>
           </p:cNvPr>
@@ -13739,7 +13755,7 @@
           <p:cNvPr id="14" name="TextBox 13">
             <a:extLst>
               <a:ext uri="{FF2B5EF4-FFF2-40B4-BE49-F238E27FC236}">
-                <a16:creationId xmlns:a16="http://schemas.microsoft.com/office/drawing/2014/main" xmlns="" id="{27F02332-4E2F-442D-B4F7-2B56CDF9B969}"/>
+                <a16:creationId xmlns="" xmlns:a16="http://schemas.microsoft.com/office/drawing/2014/main" id="{27F02332-4E2F-442D-B4F7-2B56CDF9B969}"/>
               </a:ext>
             </a:extLst>
           </p:cNvPr>
@@ -13778,7 +13794,7 @@
           <p:cNvPr id="15" name="TextBox 14">
             <a:extLst>
               <a:ext uri="{FF2B5EF4-FFF2-40B4-BE49-F238E27FC236}">
-                <a16:creationId xmlns:a16="http://schemas.microsoft.com/office/drawing/2014/main" xmlns="" id="{B2892069-F950-4415-B2B0-DA0EEC6B1BC0}"/>
+                <a16:creationId xmlns="" xmlns:a16="http://schemas.microsoft.com/office/drawing/2014/main" id="{B2892069-F950-4415-B2B0-DA0EEC6B1BC0}"/>
               </a:ext>
             </a:extLst>
           </p:cNvPr>
@@ -13817,7 +13833,7 @@
           <p:cNvPr id="20" name="TextBox 19">
             <a:extLst>
               <a:ext uri="{FF2B5EF4-FFF2-40B4-BE49-F238E27FC236}">
-                <a16:creationId xmlns:a16="http://schemas.microsoft.com/office/drawing/2014/main" xmlns="" id="{55D7D538-70B4-43F2-944A-6633B39142F4}"/>
+                <a16:creationId xmlns="" xmlns:a16="http://schemas.microsoft.com/office/drawing/2014/main" id="{55D7D538-70B4-43F2-944A-6633B39142F4}"/>
               </a:ext>
             </a:extLst>
           </p:cNvPr>
@@ -13856,7 +13872,7 @@
           <p:cNvPr id="21" name="TextBox 20">
             <a:extLst>
               <a:ext uri="{FF2B5EF4-FFF2-40B4-BE49-F238E27FC236}">
-                <a16:creationId xmlns:a16="http://schemas.microsoft.com/office/drawing/2014/main" xmlns="" id="{6A23DAEB-6DCE-4737-BB58-84D4D3616BDF}"/>
+                <a16:creationId xmlns="" xmlns:a16="http://schemas.microsoft.com/office/drawing/2014/main" id="{6A23DAEB-6DCE-4737-BB58-84D4D3616BDF}"/>
               </a:ext>
             </a:extLst>
           </p:cNvPr>
@@ -13895,7 +13911,7 @@
           <p:cNvPr id="22" name="직사각형 21">
             <a:extLst>
               <a:ext uri="{FF2B5EF4-FFF2-40B4-BE49-F238E27FC236}">
-                <a16:creationId xmlns:a16="http://schemas.microsoft.com/office/drawing/2014/main" xmlns="" id="{0815533F-2873-4AA3-BFCC-6D8E3DF7ED5F}"/>
+                <a16:creationId xmlns="" xmlns:a16="http://schemas.microsoft.com/office/drawing/2014/main" id="{0815533F-2873-4AA3-BFCC-6D8E3DF7ED5F}"/>
               </a:ext>
             </a:extLst>
           </p:cNvPr>
@@ -13951,7 +13967,7 @@
           <p:cNvPr id="23" name="TextBox 22">
             <a:extLst>
               <a:ext uri="{FF2B5EF4-FFF2-40B4-BE49-F238E27FC236}">
-                <a16:creationId xmlns:a16="http://schemas.microsoft.com/office/drawing/2014/main" xmlns="" id="{27F02332-4E2F-442D-B4F7-2B56CDF9B969}"/>
+                <a16:creationId xmlns="" xmlns:a16="http://schemas.microsoft.com/office/drawing/2014/main" id="{27F02332-4E2F-442D-B4F7-2B56CDF9B969}"/>
               </a:ext>
             </a:extLst>
           </p:cNvPr>
@@ -13992,7 +14008,7 @@
           <p:cNvPr id="24" name="TextBox 23">
             <a:extLst>
               <a:ext uri="{FF2B5EF4-FFF2-40B4-BE49-F238E27FC236}">
-                <a16:creationId xmlns:a16="http://schemas.microsoft.com/office/drawing/2014/main" xmlns="" id="{B2892069-F950-4415-B2B0-DA0EEC6B1BC0}"/>
+                <a16:creationId xmlns="" xmlns:a16="http://schemas.microsoft.com/office/drawing/2014/main" id="{B2892069-F950-4415-B2B0-DA0EEC6B1BC0}"/>
               </a:ext>
             </a:extLst>
           </p:cNvPr>
@@ -14033,7 +14049,7 @@
           <p:cNvPr id="25" name="TextBox 24">
             <a:extLst>
               <a:ext uri="{FF2B5EF4-FFF2-40B4-BE49-F238E27FC236}">
-                <a16:creationId xmlns:a16="http://schemas.microsoft.com/office/drawing/2014/main" xmlns="" id="{55D7D538-70B4-43F2-944A-6633B39142F4}"/>
+                <a16:creationId xmlns="" xmlns:a16="http://schemas.microsoft.com/office/drawing/2014/main" id="{55D7D538-70B4-43F2-944A-6633B39142F4}"/>
               </a:ext>
             </a:extLst>
           </p:cNvPr>
@@ -14151,7 +14167,7 @@
           <p:cNvPr id="4" name="직선 연결선 3">
             <a:extLst>
               <a:ext uri="{FF2B5EF4-FFF2-40B4-BE49-F238E27FC236}">
-                <a16:creationId xmlns:a16="http://schemas.microsoft.com/office/drawing/2014/main" xmlns="" id="{BE2A7FC0-EF40-4CE0-B597-5D965AE43EE5}"/>
+                <a16:creationId xmlns="" xmlns:a16="http://schemas.microsoft.com/office/drawing/2014/main" id="{BE2A7FC0-EF40-4CE0-B597-5D965AE43EE5}"/>
               </a:ext>
             </a:extLst>
           </p:cNvPr>
@@ -14196,7 +14212,7 @@
           <p:cNvPr id="3" name="TextBox 2">
             <a:extLst>
               <a:ext uri="{FF2B5EF4-FFF2-40B4-BE49-F238E27FC236}">
-                <a16:creationId xmlns:a16="http://schemas.microsoft.com/office/drawing/2014/main" xmlns="" id="{0AA9426E-B08C-48DB-8297-C7E312BE952F}"/>
+                <a16:creationId xmlns="" xmlns:a16="http://schemas.microsoft.com/office/drawing/2014/main" id="{0AA9426E-B08C-48DB-8297-C7E312BE952F}"/>
               </a:ext>
             </a:extLst>
           </p:cNvPr>
@@ -14244,7 +14260,7 @@
           <p:cNvPr id="16" name="TextBox 15">
             <a:extLst>
               <a:ext uri="{FF2B5EF4-FFF2-40B4-BE49-F238E27FC236}">
-                <a16:creationId xmlns:a16="http://schemas.microsoft.com/office/drawing/2014/main" xmlns="" id="{8116836B-4A99-4DA6-844A-6DA31D73B646}"/>
+                <a16:creationId xmlns="" xmlns:a16="http://schemas.microsoft.com/office/drawing/2014/main" id="{8116836B-4A99-4DA6-844A-6DA31D73B646}"/>
               </a:ext>
             </a:extLst>
           </p:cNvPr>
@@ -14292,7 +14308,7 @@
           <p:cNvPr id="17" name="TextBox 16">
             <a:extLst>
               <a:ext uri="{FF2B5EF4-FFF2-40B4-BE49-F238E27FC236}">
-                <a16:creationId xmlns:a16="http://schemas.microsoft.com/office/drawing/2014/main" xmlns="" id="{C658F02A-B088-48BF-BBA3-B59574AB41DC}"/>
+                <a16:creationId xmlns="" xmlns:a16="http://schemas.microsoft.com/office/drawing/2014/main" id="{C658F02A-B088-48BF-BBA3-B59574AB41DC}"/>
               </a:ext>
             </a:extLst>
           </p:cNvPr>
@@ -14340,7 +14356,7 @@
           <p:cNvPr id="19" name="TextBox 18">
             <a:extLst>
               <a:ext uri="{FF2B5EF4-FFF2-40B4-BE49-F238E27FC236}">
-                <a16:creationId xmlns:a16="http://schemas.microsoft.com/office/drawing/2014/main" xmlns="" id="{75923EE1-4BA6-40F9-AFBD-09A8B779C05D}"/>
+                <a16:creationId xmlns="" xmlns:a16="http://schemas.microsoft.com/office/drawing/2014/main" id="{75923EE1-4BA6-40F9-AFBD-09A8B779C05D}"/>
               </a:ext>
             </a:extLst>
           </p:cNvPr>
@@ -14388,7 +14404,7 @@
           <p:cNvPr id="14" name="TextBox 13">
             <a:extLst>
               <a:ext uri="{FF2B5EF4-FFF2-40B4-BE49-F238E27FC236}">
-                <a16:creationId xmlns:a16="http://schemas.microsoft.com/office/drawing/2014/main" xmlns="" id="{27F02332-4E2F-442D-B4F7-2B56CDF9B969}"/>
+                <a16:creationId xmlns="" xmlns:a16="http://schemas.microsoft.com/office/drawing/2014/main" id="{27F02332-4E2F-442D-B4F7-2B56CDF9B969}"/>
               </a:ext>
             </a:extLst>
           </p:cNvPr>
@@ -14427,7 +14443,7 @@
           <p:cNvPr id="15" name="TextBox 14">
             <a:extLst>
               <a:ext uri="{FF2B5EF4-FFF2-40B4-BE49-F238E27FC236}">
-                <a16:creationId xmlns:a16="http://schemas.microsoft.com/office/drawing/2014/main" xmlns="" id="{B2892069-F950-4415-B2B0-DA0EEC6B1BC0}"/>
+                <a16:creationId xmlns="" xmlns:a16="http://schemas.microsoft.com/office/drawing/2014/main" id="{B2892069-F950-4415-B2B0-DA0EEC6B1BC0}"/>
               </a:ext>
             </a:extLst>
           </p:cNvPr>
@@ -14466,7 +14482,7 @@
           <p:cNvPr id="20" name="TextBox 19">
             <a:extLst>
               <a:ext uri="{FF2B5EF4-FFF2-40B4-BE49-F238E27FC236}">
-                <a16:creationId xmlns:a16="http://schemas.microsoft.com/office/drawing/2014/main" xmlns="" id="{55D7D538-70B4-43F2-944A-6633B39142F4}"/>
+                <a16:creationId xmlns="" xmlns:a16="http://schemas.microsoft.com/office/drawing/2014/main" id="{55D7D538-70B4-43F2-944A-6633B39142F4}"/>
               </a:ext>
             </a:extLst>
           </p:cNvPr>
@@ -14505,7 +14521,7 @@
           <p:cNvPr id="21" name="TextBox 20">
             <a:extLst>
               <a:ext uri="{FF2B5EF4-FFF2-40B4-BE49-F238E27FC236}">
-                <a16:creationId xmlns:a16="http://schemas.microsoft.com/office/drawing/2014/main" xmlns="" id="{6A23DAEB-6DCE-4737-BB58-84D4D3616BDF}"/>
+                <a16:creationId xmlns="" xmlns:a16="http://schemas.microsoft.com/office/drawing/2014/main" id="{6A23DAEB-6DCE-4737-BB58-84D4D3616BDF}"/>
               </a:ext>
             </a:extLst>
           </p:cNvPr>
@@ -14544,7 +14560,7 @@
           <p:cNvPr id="22" name="직사각형 21">
             <a:extLst>
               <a:ext uri="{FF2B5EF4-FFF2-40B4-BE49-F238E27FC236}">
-                <a16:creationId xmlns:a16="http://schemas.microsoft.com/office/drawing/2014/main" xmlns="" id="{0815533F-2873-4AA3-BFCC-6D8E3DF7ED5F}"/>
+                <a16:creationId xmlns="" xmlns:a16="http://schemas.microsoft.com/office/drawing/2014/main" id="{0815533F-2873-4AA3-BFCC-6D8E3DF7ED5F}"/>
               </a:ext>
             </a:extLst>
           </p:cNvPr>
@@ -14600,7 +14616,7 @@
           <p:cNvPr id="23" name="TextBox 22">
             <a:extLst>
               <a:ext uri="{FF2B5EF4-FFF2-40B4-BE49-F238E27FC236}">
-                <a16:creationId xmlns:a16="http://schemas.microsoft.com/office/drawing/2014/main" xmlns="" id="{27F02332-4E2F-442D-B4F7-2B56CDF9B969}"/>
+                <a16:creationId xmlns="" xmlns:a16="http://schemas.microsoft.com/office/drawing/2014/main" id="{27F02332-4E2F-442D-B4F7-2B56CDF9B969}"/>
               </a:ext>
             </a:extLst>
           </p:cNvPr>
@@ -14641,7 +14657,7 @@
           <p:cNvPr id="24" name="TextBox 23">
             <a:extLst>
               <a:ext uri="{FF2B5EF4-FFF2-40B4-BE49-F238E27FC236}">
-                <a16:creationId xmlns:a16="http://schemas.microsoft.com/office/drawing/2014/main" xmlns="" id="{B2892069-F950-4415-B2B0-DA0EEC6B1BC0}"/>
+                <a16:creationId xmlns="" xmlns:a16="http://schemas.microsoft.com/office/drawing/2014/main" id="{B2892069-F950-4415-B2B0-DA0EEC6B1BC0}"/>
               </a:ext>
             </a:extLst>
           </p:cNvPr>
@@ -14676,7 +14692,7 @@
           <p:cNvPr id="25" name="TextBox 24">
             <a:extLst>
               <a:ext uri="{FF2B5EF4-FFF2-40B4-BE49-F238E27FC236}">
-                <a16:creationId xmlns:a16="http://schemas.microsoft.com/office/drawing/2014/main" xmlns="" id="{55D7D538-70B4-43F2-944A-6633B39142F4}"/>
+                <a16:creationId xmlns="" xmlns:a16="http://schemas.microsoft.com/office/drawing/2014/main" id="{55D7D538-70B4-43F2-944A-6633B39142F4}"/>
               </a:ext>
             </a:extLst>
           </p:cNvPr>
@@ -14794,7 +14810,7 @@
           <p:cNvPr id="339" name="Group 472">
             <a:extLst>
               <a:ext uri="{FF2B5EF4-FFF2-40B4-BE49-F238E27FC236}">
-                <a16:creationId xmlns:a16="http://schemas.microsoft.com/office/drawing/2014/main" xmlns="" id="{DD8CCF76-FCD0-4DE7-9912-D20A8FAF6777}"/>
+                <a16:creationId xmlns="" xmlns:a16="http://schemas.microsoft.com/office/drawing/2014/main" id="{DD8CCF76-FCD0-4DE7-9912-D20A8FAF6777}"/>
               </a:ext>
             </a:extLst>
           </p:cNvPr>
@@ -14814,7 +14830,7 @@
             <p:cNvPr id="340" name="Group 471">
               <a:extLst>
                 <a:ext uri="{FF2B5EF4-FFF2-40B4-BE49-F238E27FC236}">
-                  <a16:creationId xmlns:a16="http://schemas.microsoft.com/office/drawing/2014/main" xmlns="" id="{5466D173-2943-4003-8259-2415D29436B0}"/>
+                  <a16:creationId xmlns="" xmlns:a16="http://schemas.microsoft.com/office/drawing/2014/main" id="{5466D173-2943-4003-8259-2415D29436B0}"/>
                 </a:ext>
               </a:extLst>
             </p:cNvPr>
@@ -14834,7 +14850,7 @@
               <p:cNvPr id="342" name="Rectangle 468">
                 <a:extLst>
                   <a:ext uri="{FF2B5EF4-FFF2-40B4-BE49-F238E27FC236}">
-                    <a16:creationId xmlns:a16="http://schemas.microsoft.com/office/drawing/2014/main" xmlns="" id="{C5271988-0D66-403A-8CC5-BD6954D9C0B0}"/>
+                    <a16:creationId xmlns="" xmlns:a16="http://schemas.microsoft.com/office/drawing/2014/main" id="{C5271988-0D66-403A-8CC5-BD6954D9C0B0}"/>
                   </a:ext>
                 </a:extLst>
               </p:cNvPr>
@@ -14936,7 +14952,7 @@
               <p:cNvPr id="343" name="TextBox 342">
                 <a:extLst>
                   <a:ext uri="{FF2B5EF4-FFF2-40B4-BE49-F238E27FC236}">
-                    <a16:creationId xmlns:a16="http://schemas.microsoft.com/office/drawing/2014/main" xmlns="" id="{A07269AD-1373-488F-BC67-413F32DDDE80}"/>
+                    <a16:creationId xmlns="" xmlns:a16="http://schemas.microsoft.com/office/drawing/2014/main" id="{A07269AD-1373-488F-BC67-413F32DDDE80}"/>
                   </a:ext>
                 </a:extLst>
               </p:cNvPr>
@@ -14991,7 +15007,7 @@
             <p:cNvPr id="341" name="TextBox 340">
               <a:extLst>
                 <a:ext uri="{FF2B5EF4-FFF2-40B4-BE49-F238E27FC236}">
-                  <a16:creationId xmlns:a16="http://schemas.microsoft.com/office/drawing/2014/main" xmlns="" id="{BA2794A7-AEBE-4AA5-A7E8-A1B3712075CE}"/>
+                  <a16:creationId xmlns="" xmlns:a16="http://schemas.microsoft.com/office/drawing/2014/main" id="{BA2794A7-AEBE-4AA5-A7E8-A1B3712075CE}"/>
                 </a:ext>
               </a:extLst>
             </p:cNvPr>
@@ -15041,7 +15057,7 @@
           <p:cNvPr id="344" name="Group 473">
             <a:extLst>
               <a:ext uri="{FF2B5EF4-FFF2-40B4-BE49-F238E27FC236}">
-                <a16:creationId xmlns:a16="http://schemas.microsoft.com/office/drawing/2014/main" xmlns="" id="{561AD238-E9E6-4D6E-9D81-2C69B1AF13B3}"/>
+                <a16:creationId xmlns="" xmlns:a16="http://schemas.microsoft.com/office/drawing/2014/main" id="{561AD238-E9E6-4D6E-9D81-2C69B1AF13B3}"/>
               </a:ext>
             </a:extLst>
           </p:cNvPr>
@@ -15061,7 +15077,7 @@
             <p:cNvPr id="345" name="Group 474">
               <a:extLst>
                 <a:ext uri="{FF2B5EF4-FFF2-40B4-BE49-F238E27FC236}">
-                  <a16:creationId xmlns:a16="http://schemas.microsoft.com/office/drawing/2014/main" xmlns="" id="{B8BDB4C8-9784-4EDE-A857-9D1DB60CBF7A}"/>
+                  <a16:creationId xmlns="" xmlns:a16="http://schemas.microsoft.com/office/drawing/2014/main" id="{B8BDB4C8-9784-4EDE-A857-9D1DB60CBF7A}"/>
                 </a:ext>
               </a:extLst>
             </p:cNvPr>
@@ -15081,7 +15097,7 @@
               <p:cNvPr id="347" name="Rectangle 476">
                 <a:extLst>
                   <a:ext uri="{FF2B5EF4-FFF2-40B4-BE49-F238E27FC236}">
-                    <a16:creationId xmlns:a16="http://schemas.microsoft.com/office/drawing/2014/main" xmlns="" id="{210808F4-B300-4DD2-B212-6966857C771A}"/>
+                    <a16:creationId xmlns="" xmlns:a16="http://schemas.microsoft.com/office/drawing/2014/main" id="{210808F4-B300-4DD2-B212-6966857C771A}"/>
                   </a:ext>
                 </a:extLst>
               </p:cNvPr>
@@ -15222,7 +15238,7 @@
               <p:cNvPr id="348" name="TextBox 347">
                 <a:extLst>
                   <a:ext uri="{FF2B5EF4-FFF2-40B4-BE49-F238E27FC236}">
-                    <a16:creationId xmlns:a16="http://schemas.microsoft.com/office/drawing/2014/main" xmlns="" id="{AC11A08F-754C-409E-B92D-69DCDBEE2CFB}"/>
+                    <a16:creationId xmlns="" xmlns:a16="http://schemas.microsoft.com/office/drawing/2014/main" id="{AC11A08F-754C-409E-B92D-69DCDBEE2CFB}"/>
                   </a:ext>
                 </a:extLst>
               </p:cNvPr>
@@ -15316,7 +15332,7 @@
             <p:cNvPr id="346" name="TextBox 345">
               <a:extLst>
                 <a:ext uri="{FF2B5EF4-FFF2-40B4-BE49-F238E27FC236}">
-                  <a16:creationId xmlns:a16="http://schemas.microsoft.com/office/drawing/2014/main" xmlns="" id="{E147CE05-7985-4382-9C56-3174AA52B3EB}"/>
+                  <a16:creationId xmlns="" xmlns:a16="http://schemas.microsoft.com/office/drawing/2014/main" id="{E147CE05-7985-4382-9C56-3174AA52B3EB}"/>
                 </a:ext>
               </a:extLst>
             </p:cNvPr>
@@ -15366,7 +15382,7 @@
           <p:cNvPr id="349" name="Group 478">
             <a:extLst>
               <a:ext uri="{FF2B5EF4-FFF2-40B4-BE49-F238E27FC236}">
-                <a16:creationId xmlns:a16="http://schemas.microsoft.com/office/drawing/2014/main" xmlns="" id="{D473E8E3-B623-4A0E-BD4F-B200BBA0CC69}"/>
+                <a16:creationId xmlns="" xmlns:a16="http://schemas.microsoft.com/office/drawing/2014/main" id="{D473E8E3-B623-4A0E-BD4F-B200BBA0CC69}"/>
               </a:ext>
             </a:extLst>
           </p:cNvPr>
@@ -15386,7 +15402,7 @@
             <p:cNvPr id="350" name="Group 479">
               <a:extLst>
                 <a:ext uri="{FF2B5EF4-FFF2-40B4-BE49-F238E27FC236}">
-                  <a16:creationId xmlns:a16="http://schemas.microsoft.com/office/drawing/2014/main" xmlns="" id="{DCFDFA70-884D-41BD-ACF7-3B0C03A6296A}"/>
+                  <a16:creationId xmlns="" xmlns:a16="http://schemas.microsoft.com/office/drawing/2014/main" id="{DCFDFA70-884D-41BD-ACF7-3B0C03A6296A}"/>
                 </a:ext>
               </a:extLst>
             </p:cNvPr>
@@ -15406,7 +15422,7 @@
               <p:cNvPr id="352" name="Rectangle 481">
                 <a:extLst>
                   <a:ext uri="{FF2B5EF4-FFF2-40B4-BE49-F238E27FC236}">
-                    <a16:creationId xmlns:a16="http://schemas.microsoft.com/office/drawing/2014/main" xmlns="" id="{E0062BDA-0714-43E2-8770-DF4F453F5E82}"/>
+                    <a16:creationId xmlns="" xmlns:a16="http://schemas.microsoft.com/office/drawing/2014/main" id="{E0062BDA-0714-43E2-8770-DF4F453F5E82}"/>
                   </a:ext>
                 </a:extLst>
               </p:cNvPr>
@@ -15582,7 +15598,7 @@
               <p:cNvPr id="353" name="TextBox 352">
                 <a:extLst>
                   <a:ext uri="{FF2B5EF4-FFF2-40B4-BE49-F238E27FC236}">
-                    <a16:creationId xmlns:a16="http://schemas.microsoft.com/office/drawing/2014/main" xmlns="" id="{9FE32ED3-D87A-4ECF-9D25-A1CF7A915D56}"/>
+                    <a16:creationId xmlns="" xmlns:a16="http://schemas.microsoft.com/office/drawing/2014/main" id="{9FE32ED3-D87A-4ECF-9D25-A1CF7A915D56}"/>
                   </a:ext>
                 </a:extLst>
               </p:cNvPr>
@@ -15676,7 +15692,7 @@
             <p:cNvPr id="351" name="TextBox 350">
               <a:extLst>
                 <a:ext uri="{FF2B5EF4-FFF2-40B4-BE49-F238E27FC236}">
-                  <a16:creationId xmlns:a16="http://schemas.microsoft.com/office/drawing/2014/main" xmlns="" id="{C95C584A-2141-437F-BFF6-45F9040BC18A}"/>
+                  <a16:creationId xmlns="" xmlns:a16="http://schemas.microsoft.com/office/drawing/2014/main" id="{C95C584A-2141-437F-BFF6-45F9040BC18A}"/>
                 </a:ext>
               </a:extLst>
             </p:cNvPr>
@@ -15726,7 +15742,7 @@
           <p:cNvPr id="361" name="TextBox 360">
             <a:extLst>
               <a:ext uri="{FF2B5EF4-FFF2-40B4-BE49-F238E27FC236}">
-                <a16:creationId xmlns:a16="http://schemas.microsoft.com/office/drawing/2014/main" xmlns="" id="{0E5A8486-3BD6-4FD3-B6D4-BFD5189CEBF8}"/>
+                <a16:creationId xmlns="" xmlns:a16="http://schemas.microsoft.com/office/drawing/2014/main" id="{0E5A8486-3BD6-4FD3-B6D4-BFD5189CEBF8}"/>
               </a:ext>
             </a:extLst>
           </p:cNvPr>
@@ -15767,7 +15783,7 @@
           <p:cNvPr id="362" name="직선 연결선 361">
             <a:extLst>
               <a:ext uri="{FF2B5EF4-FFF2-40B4-BE49-F238E27FC236}">
-                <a16:creationId xmlns:a16="http://schemas.microsoft.com/office/drawing/2014/main" xmlns="" id="{BE2A7FC0-EF40-4CE0-B597-5D965AE43EE5}"/>
+                <a16:creationId xmlns="" xmlns:a16="http://schemas.microsoft.com/office/drawing/2014/main" id="{BE2A7FC0-EF40-4CE0-B597-5D965AE43EE5}"/>
               </a:ext>
             </a:extLst>
           </p:cNvPr>
@@ -16443,7 +16459,7 @@
           <p:cNvPr id="2" name="직사각형 1">
             <a:extLst>
               <a:ext uri="{FF2B5EF4-FFF2-40B4-BE49-F238E27FC236}">
-                <a16:creationId xmlns:a16="http://schemas.microsoft.com/office/drawing/2014/main" xmlns="" id="{E879D038-0D20-4E4C-9512-E80D62B31392}"/>
+                <a16:creationId xmlns="" xmlns:a16="http://schemas.microsoft.com/office/drawing/2014/main" id="{E879D038-0D20-4E4C-9512-E80D62B31392}"/>
               </a:ext>
             </a:extLst>
           </p:cNvPr>
@@ -16495,7 +16511,7 @@
           <p:cNvPr id="3" name="TextBox 2">
             <a:extLst>
               <a:ext uri="{FF2B5EF4-FFF2-40B4-BE49-F238E27FC236}">
-                <a16:creationId xmlns:a16="http://schemas.microsoft.com/office/drawing/2014/main" xmlns="" id="{C161B78E-D4DE-46BD-90F5-09BF3EC5BF15}"/>
+                <a16:creationId xmlns="" xmlns:a16="http://schemas.microsoft.com/office/drawing/2014/main" id="{C161B78E-D4DE-46BD-90F5-09BF3EC5BF15}"/>
               </a:ext>
             </a:extLst>
           </p:cNvPr>
@@ -16555,7 +16571,7 @@
           <p:cNvPr id="8" name="대각선 줄무늬 7">
             <a:extLst>
               <a:ext uri="{FF2B5EF4-FFF2-40B4-BE49-F238E27FC236}">
-                <a16:creationId xmlns:a16="http://schemas.microsoft.com/office/drawing/2014/main" xmlns="" id="{5F8112C1-514E-4093-913A-C021DE95F80B}"/>
+                <a16:creationId xmlns="" xmlns:a16="http://schemas.microsoft.com/office/drawing/2014/main" id="{5F8112C1-514E-4093-913A-C021DE95F80B}"/>
               </a:ext>
             </a:extLst>
           </p:cNvPr>
@@ -16615,7 +16631,7 @@
           <p:cNvPr id="9" name="대각선 줄무늬 8">
             <a:extLst>
               <a:ext uri="{FF2B5EF4-FFF2-40B4-BE49-F238E27FC236}">
-                <a16:creationId xmlns:a16="http://schemas.microsoft.com/office/drawing/2014/main" xmlns="" id="{4AC7A1D0-7CC6-4878-89EE-3F659223762C}"/>
+                <a16:creationId xmlns="" xmlns:a16="http://schemas.microsoft.com/office/drawing/2014/main" id="{4AC7A1D0-7CC6-4878-89EE-3F659223762C}"/>
               </a:ext>
             </a:extLst>
           </p:cNvPr>
@@ -16705,7 +16721,7 @@
           <p:cNvPr id="4" name="직선 연결선 3">
             <a:extLst>
               <a:ext uri="{FF2B5EF4-FFF2-40B4-BE49-F238E27FC236}">
-                <a16:creationId xmlns:a16="http://schemas.microsoft.com/office/drawing/2014/main" xmlns="" id="{BE2A7FC0-EF40-4CE0-B597-5D965AE43EE5}"/>
+                <a16:creationId xmlns="" xmlns:a16="http://schemas.microsoft.com/office/drawing/2014/main" id="{BE2A7FC0-EF40-4CE0-B597-5D965AE43EE5}"/>
               </a:ext>
             </a:extLst>
           </p:cNvPr>
@@ -16750,7 +16766,7 @@
           <p:cNvPr id="3" name="TextBox 2">
             <a:extLst>
               <a:ext uri="{FF2B5EF4-FFF2-40B4-BE49-F238E27FC236}">
-                <a16:creationId xmlns:a16="http://schemas.microsoft.com/office/drawing/2014/main" xmlns="" id="{0AA9426E-B08C-48DB-8297-C7E312BE952F}"/>
+                <a16:creationId xmlns="" xmlns:a16="http://schemas.microsoft.com/office/drawing/2014/main" id="{0AA9426E-B08C-48DB-8297-C7E312BE952F}"/>
               </a:ext>
             </a:extLst>
           </p:cNvPr>
@@ -16798,7 +16814,7 @@
           <p:cNvPr id="16" name="TextBox 15">
             <a:extLst>
               <a:ext uri="{FF2B5EF4-FFF2-40B4-BE49-F238E27FC236}">
-                <a16:creationId xmlns:a16="http://schemas.microsoft.com/office/drawing/2014/main" xmlns="" id="{8116836B-4A99-4DA6-844A-6DA31D73B646}"/>
+                <a16:creationId xmlns="" xmlns:a16="http://schemas.microsoft.com/office/drawing/2014/main" id="{8116836B-4A99-4DA6-844A-6DA31D73B646}"/>
               </a:ext>
             </a:extLst>
           </p:cNvPr>
@@ -16846,7 +16862,7 @@
           <p:cNvPr id="17" name="TextBox 16">
             <a:extLst>
               <a:ext uri="{FF2B5EF4-FFF2-40B4-BE49-F238E27FC236}">
-                <a16:creationId xmlns:a16="http://schemas.microsoft.com/office/drawing/2014/main" xmlns="" id="{C658F02A-B088-48BF-BBA3-B59574AB41DC}"/>
+                <a16:creationId xmlns="" xmlns:a16="http://schemas.microsoft.com/office/drawing/2014/main" id="{C658F02A-B088-48BF-BBA3-B59574AB41DC}"/>
               </a:ext>
             </a:extLst>
           </p:cNvPr>
@@ -16894,7 +16910,7 @@
           <p:cNvPr id="19" name="TextBox 18">
             <a:extLst>
               <a:ext uri="{FF2B5EF4-FFF2-40B4-BE49-F238E27FC236}">
-                <a16:creationId xmlns:a16="http://schemas.microsoft.com/office/drawing/2014/main" xmlns="" id="{75923EE1-4BA6-40F9-AFBD-09A8B779C05D}"/>
+                <a16:creationId xmlns="" xmlns:a16="http://schemas.microsoft.com/office/drawing/2014/main" id="{75923EE1-4BA6-40F9-AFBD-09A8B779C05D}"/>
               </a:ext>
             </a:extLst>
           </p:cNvPr>
@@ -16942,7 +16958,7 @@
           <p:cNvPr id="14" name="TextBox 13">
             <a:extLst>
               <a:ext uri="{FF2B5EF4-FFF2-40B4-BE49-F238E27FC236}">
-                <a16:creationId xmlns:a16="http://schemas.microsoft.com/office/drawing/2014/main" xmlns="" id="{27F02332-4E2F-442D-B4F7-2B56CDF9B969}"/>
+                <a16:creationId xmlns="" xmlns:a16="http://schemas.microsoft.com/office/drawing/2014/main" id="{27F02332-4E2F-442D-B4F7-2B56CDF9B969}"/>
               </a:ext>
             </a:extLst>
           </p:cNvPr>
@@ -16981,7 +16997,7 @@
           <p:cNvPr id="15" name="TextBox 14">
             <a:extLst>
               <a:ext uri="{FF2B5EF4-FFF2-40B4-BE49-F238E27FC236}">
-                <a16:creationId xmlns:a16="http://schemas.microsoft.com/office/drawing/2014/main" xmlns="" id="{B2892069-F950-4415-B2B0-DA0EEC6B1BC0}"/>
+                <a16:creationId xmlns="" xmlns:a16="http://schemas.microsoft.com/office/drawing/2014/main" id="{B2892069-F950-4415-B2B0-DA0EEC6B1BC0}"/>
               </a:ext>
             </a:extLst>
           </p:cNvPr>
@@ -17020,7 +17036,7 @@
           <p:cNvPr id="20" name="TextBox 19">
             <a:extLst>
               <a:ext uri="{FF2B5EF4-FFF2-40B4-BE49-F238E27FC236}">
-                <a16:creationId xmlns:a16="http://schemas.microsoft.com/office/drawing/2014/main" xmlns="" id="{55D7D538-70B4-43F2-944A-6633B39142F4}"/>
+                <a16:creationId xmlns="" xmlns:a16="http://schemas.microsoft.com/office/drawing/2014/main" id="{55D7D538-70B4-43F2-944A-6633B39142F4}"/>
               </a:ext>
             </a:extLst>
           </p:cNvPr>
@@ -17059,7 +17075,7 @@
           <p:cNvPr id="21" name="TextBox 20">
             <a:extLst>
               <a:ext uri="{FF2B5EF4-FFF2-40B4-BE49-F238E27FC236}">
-                <a16:creationId xmlns:a16="http://schemas.microsoft.com/office/drawing/2014/main" xmlns="" id="{6A23DAEB-6DCE-4737-BB58-84D4D3616BDF}"/>
+                <a16:creationId xmlns="" xmlns:a16="http://schemas.microsoft.com/office/drawing/2014/main" id="{6A23DAEB-6DCE-4737-BB58-84D4D3616BDF}"/>
               </a:ext>
             </a:extLst>
           </p:cNvPr>
@@ -17098,7 +17114,7 @@
           <p:cNvPr id="22" name="직사각형 21">
             <a:extLst>
               <a:ext uri="{FF2B5EF4-FFF2-40B4-BE49-F238E27FC236}">
-                <a16:creationId xmlns:a16="http://schemas.microsoft.com/office/drawing/2014/main" xmlns="" id="{0815533F-2873-4AA3-BFCC-6D8E3DF7ED5F}"/>
+                <a16:creationId xmlns="" xmlns:a16="http://schemas.microsoft.com/office/drawing/2014/main" id="{0815533F-2873-4AA3-BFCC-6D8E3DF7ED5F}"/>
               </a:ext>
             </a:extLst>
           </p:cNvPr>
@@ -17154,7 +17170,7 @@
           <p:cNvPr id="23" name="TextBox 22">
             <a:extLst>
               <a:ext uri="{FF2B5EF4-FFF2-40B4-BE49-F238E27FC236}">
-                <a16:creationId xmlns:a16="http://schemas.microsoft.com/office/drawing/2014/main" xmlns="" id="{27F02332-4E2F-442D-B4F7-2B56CDF9B969}"/>
+                <a16:creationId xmlns="" xmlns:a16="http://schemas.microsoft.com/office/drawing/2014/main" id="{27F02332-4E2F-442D-B4F7-2B56CDF9B969}"/>
               </a:ext>
             </a:extLst>
           </p:cNvPr>
@@ -17195,7 +17211,7 @@
           <p:cNvPr id="24" name="TextBox 23">
             <a:extLst>
               <a:ext uri="{FF2B5EF4-FFF2-40B4-BE49-F238E27FC236}">
-                <a16:creationId xmlns:a16="http://schemas.microsoft.com/office/drawing/2014/main" xmlns="" id="{B2892069-F950-4415-B2B0-DA0EEC6B1BC0}"/>
+                <a16:creationId xmlns="" xmlns:a16="http://schemas.microsoft.com/office/drawing/2014/main" id="{B2892069-F950-4415-B2B0-DA0EEC6B1BC0}"/>
               </a:ext>
             </a:extLst>
           </p:cNvPr>
@@ -17236,7 +17252,7 @@
           <p:cNvPr id="25" name="TextBox 24">
             <a:extLst>
               <a:ext uri="{FF2B5EF4-FFF2-40B4-BE49-F238E27FC236}">
-                <a16:creationId xmlns:a16="http://schemas.microsoft.com/office/drawing/2014/main" xmlns="" id="{55D7D538-70B4-43F2-944A-6633B39142F4}"/>
+                <a16:creationId xmlns="" xmlns:a16="http://schemas.microsoft.com/office/drawing/2014/main" id="{55D7D538-70B4-43F2-944A-6633B39142F4}"/>
               </a:ext>
             </a:extLst>
           </p:cNvPr>
@@ -17360,7 +17376,7 @@
           <p:cNvPr id="6" name="직선 연결선 5">
             <a:extLst>
               <a:ext uri="{FF2B5EF4-FFF2-40B4-BE49-F238E27FC236}">
-                <a16:creationId xmlns:a16="http://schemas.microsoft.com/office/drawing/2014/main" xmlns="" id="{F5E8AE3E-08FD-47C2-9EA5-C36725979BEE}"/>
+                <a16:creationId xmlns="" xmlns:a16="http://schemas.microsoft.com/office/drawing/2014/main" id="{F5E8AE3E-08FD-47C2-9EA5-C36725979BEE}"/>
               </a:ext>
             </a:extLst>
           </p:cNvPr>
@@ -17406,7 +17422,7 @@
           <p:cNvPr id="7" name="직사각형 6">
             <a:extLst>
               <a:ext uri="{FF2B5EF4-FFF2-40B4-BE49-F238E27FC236}">
-                <a16:creationId xmlns:a16="http://schemas.microsoft.com/office/drawing/2014/main" xmlns="" id="{2587AF0A-378F-489D-8252-A41182F23FF6}"/>
+                <a16:creationId xmlns="" xmlns:a16="http://schemas.microsoft.com/office/drawing/2014/main" id="{2587AF0A-378F-489D-8252-A41182F23FF6}"/>
               </a:ext>
             </a:extLst>
           </p:cNvPr>
@@ -17458,7 +17474,7 @@
           <p:cNvPr id="16" name="TextBox 15">
             <a:extLst>
               <a:ext uri="{FF2B5EF4-FFF2-40B4-BE49-F238E27FC236}">
-                <a16:creationId xmlns:a16="http://schemas.microsoft.com/office/drawing/2014/main" xmlns="" id="{0E5A8486-3BD6-4FD3-B6D4-BFD5189CEBF8}"/>
+                <a16:creationId xmlns="" xmlns:a16="http://schemas.microsoft.com/office/drawing/2014/main" id="{0E5A8486-3BD6-4FD3-B6D4-BFD5189CEBF8}"/>
               </a:ext>
             </a:extLst>
           </p:cNvPr>
@@ -17499,7 +17515,7 @@
           <p:cNvPr id="8" name="직선 연결선 7">
             <a:extLst>
               <a:ext uri="{FF2B5EF4-FFF2-40B4-BE49-F238E27FC236}">
-                <a16:creationId xmlns:a16="http://schemas.microsoft.com/office/drawing/2014/main" xmlns="" id="{BE2A7FC0-EF40-4CE0-B597-5D965AE43EE5}"/>
+                <a16:creationId xmlns="" xmlns:a16="http://schemas.microsoft.com/office/drawing/2014/main" id="{BE2A7FC0-EF40-4CE0-B597-5D965AE43EE5}"/>
               </a:ext>
             </a:extLst>
           </p:cNvPr>
@@ -17575,7 +17591,7 @@
           <p:cNvPr id="11" name="Picture 4" descr="íë§ê¸ì¤ì ëí ì´ë¯¸ì§ ê²ìê²°ê³¼">
             <a:extLst>
               <a:ext uri="{FF2B5EF4-FFF2-40B4-BE49-F238E27FC236}">
-                <a16:creationId xmlns:a16="http://schemas.microsoft.com/office/drawing/2014/main" xmlns="" id="{505DE426-7A3F-4B7D-883C-278C99C515E4}"/>
+                <a16:creationId xmlns="" xmlns:a16="http://schemas.microsoft.com/office/drawing/2014/main" id="{505DE426-7A3F-4B7D-883C-278C99C515E4}"/>
               </a:ext>
             </a:extLst>
           </p:cNvPr>
@@ -17621,7 +17637,7 @@
           <p:cNvPr id="12" name="그룹 11">
             <a:extLst>
               <a:ext uri="{FF2B5EF4-FFF2-40B4-BE49-F238E27FC236}">
-                <a16:creationId xmlns:a16="http://schemas.microsoft.com/office/drawing/2014/main" xmlns="" id="{0846EC31-32DA-4E47-A59D-E45C5DB4C351}"/>
+                <a16:creationId xmlns="" xmlns:a16="http://schemas.microsoft.com/office/drawing/2014/main" id="{0846EC31-32DA-4E47-A59D-E45C5DB4C351}"/>
               </a:ext>
             </a:extLst>
           </p:cNvPr>
@@ -17641,7 +17657,7 @@
             <p:cNvPr id="13" name="Picture 2" descr="ë¶ë¦¬ìê±°ì ëí ì´ë¯¸ì§ ê²ìê²°ê³¼">
               <a:extLst>
                 <a:ext uri="{FF2B5EF4-FFF2-40B4-BE49-F238E27FC236}">
-                  <a16:creationId xmlns:a16="http://schemas.microsoft.com/office/drawing/2014/main" xmlns="" id="{0A58B247-6042-4C5E-822B-815CCE89B932}"/>
+                  <a16:creationId xmlns="" xmlns:a16="http://schemas.microsoft.com/office/drawing/2014/main" id="{0A58B247-6042-4C5E-822B-815CCE89B932}"/>
                 </a:ext>
               </a:extLst>
             </p:cNvPr>
@@ -17688,7 +17704,7 @@
 ëì  ë´í¬ ìì´ì½ì ëí ì´ë¯¸ì§ ê²ìê²°ê³¼">
               <a:extLst>
                 <a:ext uri="{FF2B5EF4-FFF2-40B4-BE49-F238E27FC236}">
-                  <a16:creationId xmlns:a16="http://schemas.microsoft.com/office/drawing/2014/main" xmlns="" id="{2A05866E-BC70-4EC2-9C91-9966F0A57ACD}"/>
+                  <a16:creationId xmlns="" xmlns:a16="http://schemas.microsoft.com/office/drawing/2014/main" id="{2A05866E-BC70-4EC2-9C91-9966F0A57ACD}"/>
                 </a:ext>
               </a:extLst>
             </p:cNvPr>
@@ -17736,7 +17752,7 @@
           <p:cNvPr id="15" name="TextBox 14">
             <a:extLst>
               <a:ext uri="{FF2B5EF4-FFF2-40B4-BE49-F238E27FC236}">
-                <a16:creationId xmlns:a16="http://schemas.microsoft.com/office/drawing/2014/main" xmlns="" id="{0E5A8486-3BD6-4FD3-B6D4-BFD5189CEBF8}"/>
+                <a16:creationId xmlns="" xmlns:a16="http://schemas.microsoft.com/office/drawing/2014/main" id="{0E5A8486-3BD6-4FD3-B6D4-BFD5189CEBF8}"/>
               </a:ext>
             </a:extLst>
           </p:cNvPr>
@@ -17777,7 +17793,7 @@
           <p:cNvPr id="16" name="직선 연결선 15">
             <a:extLst>
               <a:ext uri="{FF2B5EF4-FFF2-40B4-BE49-F238E27FC236}">
-                <a16:creationId xmlns:a16="http://schemas.microsoft.com/office/drawing/2014/main" xmlns="" id="{BE2A7FC0-EF40-4CE0-B597-5D965AE43EE5}"/>
+                <a16:creationId xmlns="" xmlns:a16="http://schemas.microsoft.com/office/drawing/2014/main" id="{BE2A7FC0-EF40-4CE0-B597-5D965AE43EE5}"/>
               </a:ext>
             </a:extLst>
           </p:cNvPr>
@@ -18040,7 +18056,7 @@
           <p:cNvPr id="12" name="그룹 11">
             <a:extLst>
               <a:ext uri="{FF2B5EF4-FFF2-40B4-BE49-F238E27FC236}">
-                <a16:creationId xmlns:a16="http://schemas.microsoft.com/office/drawing/2014/main" xmlns="" id="{0846EC31-32DA-4E47-A59D-E45C5DB4C351}"/>
+                <a16:creationId xmlns="" xmlns:a16="http://schemas.microsoft.com/office/drawing/2014/main" id="{0846EC31-32DA-4E47-A59D-E45C5DB4C351}"/>
               </a:ext>
             </a:extLst>
           </p:cNvPr>
@@ -18060,7 +18076,7 @@
             <p:cNvPr id="13" name="Picture 2" descr="ë¶ë¦¬ìê±°ì ëí ì´ë¯¸ì§ ê²ìê²°ê³¼">
               <a:extLst>
                 <a:ext uri="{FF2B5EF4-FFF2-40B4-BE49-F238E27FC236}">
-                  <a16:creationId xmlns:a16="http://schemas.microsoft.com/office/drawing/2014/main" xmlns="" id="{0A58B247-6042-4C5E-822B-815CCE89B932}"/>
+                  <a16:creationId xmlns="" xmlns:a16="http://schemas.microsoft.com/office/drawing/2014/main" id="{0A58B247-6042-4C5E-822B-815CCE89B932}"/>
                 </a:ext>
               </a:extLst>
             </p:cNvPr>
@@ -18107,7 +18123,7 @@
 ëì  ë´í¬ ìì´ì½ì ëí ì´ë¯¸ì§ ê²ìê²°ê³¼">
               <a:extLst>
                 <a:ext uri="{FF2B5EF4-FFF2-40B4-BE49-F238E27FC236}">
-                  <a16:creationId xmlns:a16="http://schemas.microsoft.com/office/drawing/2014/main" xmlns="" id="{2A05866E-BC70-4EC2-9C91-9966F0A57ACD}"/>
+                  <a16:creationId xmlns="" xmlns:a16="http://schemas.microsoft.com/office/drawing/2014/main" id="{2A05866E-BC70-4EC2-9C91-9966F0A57ACD}"/>
                 </a:ext>
               </a:extLst>
             </p:cNvPr>
@@ -18155,7 +18171,7 @@
           <p:cNvPr id="9" name="Picture 2" descr="ì´ì½ì¡ì´ì ëí ì´ë¯¸ì§ ê²ìê²°ê³¼">
             <a:extLst>
               <a:ext uri="{FF2B5EF4-FFF2-40B4-BE49-F238E27FC236}">
-                <a16:creationId xmlns:a16="http://schemas.microsoft.com/office/drawing/2014/main" xmlns="" id="{2AED0BFE-871B-4CF4-A578-A41ECC6DF2BE}"/>
+                <a16:creationId xmlns="" xmlns:a16="http://schemas.microsoft.com/office/drawing/2014/main" id="{2AED0BFE-871B-4CF4-A578-A41ECC6DF2BE}"/>
               </a:ext>
             </a:extLst>
           </p:cNvPr>
@@ -18202,7 +18218,7 @@
           <p:cNvPr id="11" name="TextBox 10">
             <a:extLst>
               <a:ext uri="{FF2B5EF4-FFF2-40B4-BE49-F238E27FC236}">
-                <a16:creationId xmlns:a16="http://schemas.microsoft.com/office/drawing/2014/main" xmlns="" id="{0E5A8486-3BD6-4FD3-B6D4-BFD5189CEBF8}"/>
+                <a16:creationId xmlns="" xmlns:a16="http://schemas.microsoft.com/office/drawing/2014/main" id="{0E5A8486-3BD6-4FD3-B6D4-BFD5189CEBF8}"/>
               </a:ext>
             </a:extLst>
           </p:cNvPr>
@@ -18243,7 +18259,7 @@
           <p:cNvPr id="15" name="직선 연결선 14">
             <a:extLst>
               <a:ext uri="{FF2B5EF4-FFF2-40B4-BE49-F238E27FC236}">
-                <a16:creationId xmlns:a16="http://schemas.microsoft.com/office/drawing/2014/main" xmlns="" id="{BE2A7FC0-EF40-4CE0-B597-5D965AE43EE5}"/>
+                <a16:creationId xmlns="" xmlns:a16="http://schemas.microsoft.com/office/drawing/2014/main" id="{BE2A7FC0-EF40-4CE0-B597-5D965AE43EE5}"/>
               </a:ext>
             </a:extLst>
           </p:cNvPr>
@@ -18506,7 +18522,7 @@
           <p:cNvPr id="12" name="그룹 11">
             <a:extLst>
               <a:ext uri="{FF2B5EF4-FFF2-40B4-BE49-F238E27FC236}">
-                <a16:creationId xmlns:a16="http://schemas.microsoft.com/office/drawing/2014/main" xmlns="" id="{0846EC31-32DA-4E47-A59D-E45C5DB4C351}"/>
+                <a16:creationId xmlns="" xmlns:a16="http://schemas.microsoft.com/office/drawing/2014/main" id="{0846EC31-32DA-4E47-A59D-E45C5DB4C351}"/>
               </a:ext>
             </a:extLst>
           </p:cNvPr>
@@ -18526,7 +18542,7 @@
             <p:cNvPr id="13" name="Picture 2" descr="ë¶ë¦¬ìê±°ì ëí ì´ë¯¸ì§ ê²ìê²°ê³¼">
               <a:extLst>
                 <a:ext uri="{FF2B5EF4-FFF2-40B4-BE49-F238E27FC236}">
-                  <a16:creationId xmlns:a16="http://schemas.microsoft.com/office/drawing/2014/main" xmlns="" id="{0A58B247-6042-4C5E-822B-815CCE89B932}"/>
+                  <a16:creationId xmlns="" xmlns:a16="http://schemas.microsoft.com/office/drawing/2014/main" id="{0A58B247-6042-4C5E-822B-815CCE89B932}"/>
                 </a:ext>
               </a:extLst>
             </p:cNvPr>
@@ -18573,7 +18589,7 @@
 ëì  ë´í¬ ìì´ì½ì ëí ì´ë¯¸ì§ ê²ìê²°ê³¼">
               <a:extLst>
                 <a:ext uri="{FF2B5EF4-FFF2-40B4-BE49-F238E27FC236}">
-                  <a16:creationId xmlns:a16="http://schemas.microsoft.com/office/drawing/2014/main" xmlns="" id="{2A05866E-BC70-4EC2-9C91-9966F0A57ACD}"/>
+                  <a16:creationId xmlns="" xmlns:a16="http://schemas.microsoft.com/office/drawing/2014/main" id="{2A05866E-BC70-4EC2-9C91-9966F0A57ACD}"/>
                 </a:ext>
               </a:extLst>
             </p:cNvPr>
@@ -18621,7 +18637,7 @@
           <p:cNvPr id="10" name="Picture 2" descr="íê´ë± ì¼ë¬ì¤í¸ì ëí ì´ë¯¸ì§ ê²ìê²°ê³¼">
             <a:extLst>
               <a:ext uri="{FF2B5EF4-FFF2-40B4-BE49-F238E27FC236}">
-                <a16:creationId xmlns:a16="http://schemas.microsoft.com/office/drawing/2014/main" xmlns="" id="{B7554028-8AB4-4B52-8E4C-C5FFBE4627B9}"/>
+                <a16:creationId xmlns="" xmlns:a16="http://schemas.microsoft.com/office/drawing/2014/main" id="{B7554028-8AB4-4B52-8E4C-C5FFBE4627B9}"/>
               </a:ext>
             </a:extLst>
           </p:cNvPr>
@@ -18666,7 +18682,7 @@
           <p:cNvPr id="15" name="TextBox 14">
             <a:extLst>
               <a:ext uri="{FF2B5EF4-FFF2-40B4-BE49-F238E27FC236}">
-                <a16:creationId xmlns:a16="http://schemas.microsoft.com/office/drawing/2014/main" xmlns="" id="{0E5A8486-3BD6-4FD3-B6D4-BFD5189CEBF8}"/>
+                <a16:creationId xmlns="" xmlns:a16="http://schemas.microsoft.com/office/drawing/2014/main" id="{0E5A8486-3BD6-4FD3-B6D4-BFD5189CEBF8}"/>
               </a:ext>
             </a:extLst>
           </p:cNvPr>
@@ -18707,7 +18723,7 @@
           <p:cNvPr id="16" name="직선 연결선 15">
             <a:extLst>
               <a:ext uri="{FF2B5EF4-FFF2-40B4-BE49-F238E27FC236}">
-                <a16:creationId xmlns:a16="http://schemas.microsoft.com/office/drawing/2014/main" xmlns="" id="{BE2A7FC0-EF40-4CE0-B597-5D965AE43EE5}"/>
+                <a16:creationId xmlns="" xmlns:a16="http://schemas.microsoft.com/office/drawing/2014/main" id="{BE2A7FC0-EF40-4CE0-B597-5D965AE43EE5}"/>
               </a:ext>
             </a:extLst>
           </p:cNvPr>
@@ -18783,7 +18799,7 @@
           <p:cNvPr id="3" name="그림 2">
             <a:extLst>
               <a:ext uri="{FF2B5EF4-FFF2-40B4-BE49-F238E27FC236}">
-                <a16:creationId xmlns:a16="http://schemas.microsoft.com/office/drawing/2014/main" xmlns="" id="{1EEC7F7B-F3E2-421A-A64E-AF490EF123BC}"/>
+                <a16:creationId xmlns="" xmlns:a16="http://schemas.microsoft.com/office/drawing/2014/main" id="{1EEC7F7B-F3E2-421A-A64E-AF490EF123BC}"/>
               </a:ext>
             </a:extLst>
           </p:cNvPr>
@@ -18883,7 +18899,7 @@
           <p:cNvPr id="15" name="TextBox 14">
             <a:extLst>
               <a:ext uri="{FF2B5EF4-FFF2-40B4-BE49-F238E27FC236}">
-                <a16:creationId xmlns:a16="http://schemas.microsoft.com/office/drawing/2014/main" xmlns="" id="{0E5A8486-3BD6-4FD3-B6D4-BFD5189CEBF8}"/>
+                <a16:creationId xmlns="" xmlns:a16="http://schemas.microsoft.com/office/drawing/2014/main" id="{0E5A8486-3BD6-4FD3-B6D4-BFD5189CEBF8}"/>
               </a:ext>
             </a:extLst>
           </p:cNvPr>
@@ -18924,7 +18940,7 @@
           <p:cNvPr id="16" name="직선 연결선 15">
             <a:extLst>
               <a:ext uri="{FF2B5EF4-FFF2-40B4-BE49-F238E27FC236}">
-                <a16:creationId xmlns:a16="http://schemas.microsoft.com/office/drawing/2014/main" xmlns="" id="{BE2A7FC0-EF40-4CE0-B597-5D965AE43EE5}"/>
+                <a16:creationId xmlns="" xmlns:a16="http://schemas.microsoft.com/office/drawing/2014/main" id="{BE2A7FC0-EF40-4CE0-B597-5D965AE43EE5}"/>
               </a:ext>
             </a:extLst>
           </p:cNvPr>
@@ -19000,7 +19016,7 @@
           <p:cNvPr id="6" name="직선 연결선 5">
             <a:extLst>
               <a:ext uri="{FF2B5EF4-FFF2-40B4-BE49-F238E27FC236}">
-                <a16:creationId xmlns:a16="http://schemas.microsoft.com/office/drawing/2014/main" xmlns="" id="{F5E8AE3E-08FD-47C2-9EA5-C36725979BEE}"/>
+                <a16:creationId xmlns="" xmlns:a16="http://schemas.microsoft.com/office/drawing/2014/main" id="{F5E8AE3E-08FD-47C2-9EA5-C36725979BEE}"/>
               </a:ext>
             </a:extLst>
           </p:cNvPr>
@@ -19046,7 +19062,7 @@
           <p:cNvPr id="7" name="직사각형 6">
             <a:extLst>
               <a:ext uri="{FF2B5EF4-FFF2-40B4-BE49-F238E27FC236}">
-                <a16:creationId xmlns:a16="http://schemas.microsoft.com/office/drawing/2014/main" xmlns="" id="{2587AF0A-378F-489D-8252-A41182F23FF6}"/>
+                <a16:creationId xmlns="" xmlns:a16="http://schemas.microsoft.com/office/drawing/2014/main" id="{2587AF0A-378F-489D-8252-A41182F23FF6}"/>
               </a:ext>
             </a:extLst>
           </p:cNvPr>
@@ -19098,7 +19114,7 @@
           <p:cNvPr id="8" name="TextBox 7">
             <a:extLst>
               <a:ext uri="{FF2B5EF4-FFF2-40B4-BE49-F238E27FC236}">
-                <a16:creationId xmlns:a16="http://schemas.microsoft.com/office/drawing/2014/main" xmlns="" id="{0E5A8486-3BD6-4FD3-B6D4-BFD5189CEBF8}"/>
+                <a16:creationId xmlns="" xmlns:a16="http://schemas.microsoft.com/office/drawing/2014/main" id="{0E5A8486-3BD6-4FD3-B6D4-BFD5189CEBF8}"/>
               </a:ext>
             </a:extLst>
           </p:cNvPr>
@@ -19139,7 +19155,7 @@
           <p:cNvPr id="9" name="직선 연결선 8">
             <a:extLst>
               <a:ext uri="{FF2B5EF4-FFF2-40B4-BE49-F238E27FC236}">
-                <a16:creationId xmlns:a16="http://schemas.microsoft.com/office/drawing/2014/main" xmlns="" id="{BE2A7FC0-EF40-4CE0-B597-5D965AE43EE5}"/>
+                <a16:creationId xmlns="" xmlns:a16="http://schemas.microsoft.com/office/drawing/2014/main" id="{BE2A7FC0-EF40-4CE0-B597-5D965AE43EE5}"/>
               </a:ext>
             </a:extLst>
           </p:cNvPr>
